--- a/Document/Disconf.Net.pptx
+++ b/Document/Disconf.Net.pptx
@@ -8,10 +8,12 @@
     <p:sldId id="256" r:id="rId2"/>
     <p:sldId id="259" r:id="rId3"/>
     <p:sldId id="263" r:id="rId4"/>
-    <p:sldId id="264" r:id="rId5"/>
-    <p:sldId id="266" r:id="rId6"/>
-    <p:sldId id="265" r:id="rId7"/>
-    <p:sldId id="262" r:id="rId8"/>
+    <p:sldId id="268" r:id="rId5"/>
+    <p:sldId id="267" r:id="rId6"/>
+    <p:sldId id="264" r:id="rId7"/>
+    <p:sldId id="266" r:id="rId8"/>
+    <p:sldId id="265" r:id="rId9"/>
+    <p:sldId id="262" r:id="rId10"/>
   </p:sldIdLst>
   <p:sldSz cx="9144000" cy="6858000" type="screen4x3"/>
   <p:notesSz cx="6858000" cy="9144000"/>
@@ -305,7 +307,7 @@
           <a:p>
             <a:fld id="{530820CF-B880-4189-942D-D702A7CBA730}" type="datetimeFigureOut">
               <a:rPr lang="zh-CN" altLang="en-US" smtClean="0"/>
-              <a:t>2018/2/27</a:t>
+              <a:t>2018/2/28</a:t>
             </a:fld>
             <a:endParaRPr lang="zh-CN" altLang="en-US"/>
           </a:p>
@@ -470,7 +472,7 @@
           <a:p>
             <a:fld id="{530820CF-B880-4189-942D-D702A7CBA730}" type="datetimeFigureOut">
               <a:rPr lang="zh-CN" altLang="en-US" smtClean="0"/>
-              <a:t>2018/2/27</a:t>
+              <a:t>2018/2/28</a:t>
             </a:fld>
             <a:endParaRPr lang="zh-CN" altLang="en-US"/>
           </a:p>
@@ -645,7 +647,7 @@
           <a:p>
             <a:fld id="{530820CF-B880-4189-942D-D702A7CBA730}" type="datetimeFigureOut">
               <a:rPr lang="zh-CN" altLang="en-US" smtClean="0"/>
-              <a:t>2018/2/27</a:t>
+              <a:t>2018/2/28</a:t>
             </a:fld>
             <a:endParaRPr lang="zh-CN" altLang="en-US"/>
           </a:p>
@@ -828,7 +830,7 @@
           <a:p>
             <a:fld id="{530820CF-B880-4189-942D-D702A7CBA730}" type="datetimeFigureOut">
               <a:rPr lang="zh-CN" altLang="en-US" smtClean="0"/>
-              <a:t>2018/2/27</a:t>
+              <a:t>2018/2/28</a:t>
             </a:fld>
             <a:endParaRPr lang="zh-CN" altLang="en-US"/>
           </a:p>
@@ -1090,7 +1092,7 @@
           <a:p>
             <a:fld id="{530820CF-B880-4189-942D-D702A7CBA730}" type="datetimeFigureOut">
               <a:rPr lang="zh-CN" altLang="en-US" smtClean="0"/>
-              <a:t>2018/2/27</a:t>
+              <a:t>2018/2/28</a:t>
             </a:fld>
             <a:endParaRPr lang="zh-CN" altLang="en-US"/>
           </a:p>
@@ -1438,7 +1440,7 @@
           <a:p>
             <a:fld id="{530820CF-B880-4189-942D-D702A7CBA730}" type="datetimeFigureOut">
               <a:rPr lang="zh-CN" altLang="en-US" smtClean="0"/>
-              <a:t>2018/2/27</a:t>
+              <a:t>2018/2/28</a:t>
             </a:fld>
             <a:endParaRPr lang="zh-CN" altLang="en-US"/>
           </a:p>
@@ -1746,7 +1748,7 @@
           <a:p>
             <a:fld id="{530820CF-B880-4189-942D-D702A7CBA730}" type="datetimeFigureOut">
               <a:rPr lang="zh-CN" altLang="en-US" smtClean="0"/>
-              <a:t>2018/2/27</a:t>
+              <a:t>2018/2/28</a:t>
             </a:fld>
             <a:endParaRPr lang="zh-CN" altLang="en-US"/>
           </a:p>
@@ -1973,7 +1975,7 @@
           <a:p>
             <a:fld id="{530820CF-B880-4189-942D-D702A7CBA730}" type="datetimeFigureOut">
               <a:rPr lang="zh-CN" altLang="en-US" smtClean="0"/>
-              <a:t>2018/2/27</a:t>
+              <a:t>2018/2/28</a:t>
             </a:fld>
             <a:endParaRPr lang="zh-CN" altLang="en-US"/>
           </a:p>
@@ -2063,7 +2065,7 @@
           <a:p>
             <a:fld id="{530820CF-B880-4189-942D-D702A7CBA730}" type="datetimeFigureOut">
               <a:rPr lang="zh-CN" altLang="en-US" smtClean="0"/>
-              <a:t>2018/2/27</a:t>
+              <a:t>2018/2/28</a:t>
             </a:fld>
             <a:endParaRPr lang="zh-CN" altLang="en-US"/>
           </a:p>
@@ -2351,7 +2353,7 @@
           <a:p>
             <a:fld id="{530820CF-B880-4189-942D-D702A7CBA730}" type="datetimeFigureOut">
               <a:rPr lang="zh-CN" altLang="en-US" smtClean="0"/>
-              <a:t>2018/2/27</a:t>
+              <a:t>2018/2/28</a:t>
             </a:fld>
             <a:endParaRPr lang="zh-CN" altLang="en-US"/>
           </a:p>
@@ -2620,7 +2622,7 @@
           <a:p>
             <a:fld id="{530820CF-B880-4189-942D-D702A7CBA730}" type="datetimeFigureOut">
               <a:rPr lang="zh-CN" altLang="en-US" smtClean="0"/>
-              <a:t>2018/2/27</a:t>
+              <a:t>2018/2/28</a:t>
             </a:fld>
             <a:endParaRPr lang="zh-CN" altLang="en-US"/>
           </a:p>
@@ -2830,7 +2832,7 @@
           <a:p>
             <a:fld id="{530820CF-B880-4189-942D-D702A7CBA730}" type="datetimeFigureOut">
               <a:rPr lang="zh-CN" altLang="en-US" smtClean="0"/>
-              <a:t>2018/2/27</a:t>
+              <a:t>2018/2/28</a:t>
             </a:fld>
             <a:endParaRPr lang="zh-CN" altLang="en-US"/>
           </a:p>
@@ -3952,7 +3954,7 @@
         <p:spPr>
           <a:xfrm>
             <a:off x="657039" y="6300028"/>
-            <a:ext cx="5776710" cy="369332"/>
+            <a:ext cx="5315045" cy="369332"/>
           </a:xfrm>
           <a:prstGeom prst="rect">
             <a:avLst/>
@@ -3975,15 +3977,7 @@
             </a:r>
             <a:r>
               <a:rPr lang="zh-CN" altLang="en-US" dirty="0" smtClean="0"/>
-              <a:t>：</a:t>
-            </a:r>
-            <a:r>
-              <a:rPr lang="zh-CN" altLang="en-US" dirty="0" smtClean="0"/>
-              <a:t>每台</a:t>
-            </a:r>
-            <a:r>
-              <a:rPr lang="zh-CN" altLang="en-US" dirty="0" smtClean="0"/>
-              <a:t>机部署</a:t>
+              <a:t>：请部署</a:t>
             </a:r>
             <a:r>
               <a:rPr lang="en-US" altLang="zh-CN" dirty="0"/>
@@ -4029,7 +4023,7 @@
             <a:pPr algn="ctr"/>
             <a:r>
               <a:rPr lang="en-US" altLang="zh-CN" dirty="0" smtClean="0"/>
-              <a:t>WinService</a:t>
+              <a:t>Disconf.Net.WinServices</a:t>
             </a:r>
             <a:endParaRPr lang="zh-CN" altLang="en-US" dirty="0"/>
           </a:p>
@@ -4561,8 +4555,8 @@
           <a:lstStyle/>
           <a:p>
             <a:r>
-              <a:rPr lang="zh-CN" altLang="en-US" dirty="0" smtClean="0"/>
-              <a:t>组件示例</a:t>
+              <a:rPr lang="en-US" altLang="zh-CN" dirty="0" smtClean="0"/>
+              <a:t>AppSettings</a:t>
             </a:r>
             <a:endParaRPr lang="zh-CN" altLang="en-US" dirty="0"/>
           </a:p>
@@ -4585,155 +4579,106 @@
           </a:bodyPr>
           <a:lstStyle/>
           <a:p>
-            <a:pPr marL="0" indent="0">
-              <a:buNone/>
+            <a:pPr>
+              <a:buFont typeface="Wingdings" panose="05000000000000000000" pitchFamily="2" charset="2"/>
+              <a:buChar char="ü"/>
             </a:pPr>
             <a:r>
+              <a:rPr lang="zh-CN" altLang="en-US" dirty="0"/>
+              <a:t>基于</a:t>
+            </a:r>
+            <a:r>
+              <a:rPr lang="en-US" altLang="zh-CN" dirty="0" smtClean="0"/>
+              <a:t>xml</a:t>
+            </a:r>
+            <a:r>
               <a:rPr lang="zh-CN" altLang="en-US" dirty="0" smtClean="0"/>
-              <a:t>引用</a:t>
+              <a:t>，</a:t>
+            </a:r>
+            <a:r>
+              <a:rPr lang="zh-CN" altLang="en-US" dirty="0" smtClean="0"/>
+              <a:t>剥离</a:t>
+            </a:r>
+            <a:r>
+              <a:rPr lang="en-US" altLang="zh-CN" dirty="0" smtClean="0"/>
+              <a:t>*.config</a:t>
+            </a:r>
+            <a:r>
+              <a:rPr lang="zh-CN" altLang="en-US" dirty="0" smtClean="0"/>
+              <a:t>，集中管理各种配置文件</a:t>
             </a:r>
             <a:endParaRPr lang="en-US" altLang="zh-CN" dirty="0" smtClean="0"/>
           </a:p>
           <a:p>
-            <a:pPr marL="0" indent="0">
-              <a:buNone/>
+            <a:pPr>
+              <a:buFont typeface="Wingdings" panose="05000000000000000000" pitchFamily="2" charset="2"/>
+              <a:buChar char="ü"/>
             </a:pPr>
             <a:r>
-              <a:rPr lang="en-US" altLang="zh-CN" sz="2400" dirty="0" smtClean="0"/>
-              <a:t>using </a:t>
-            </a:r>
-            <a:r>
-              <a:rPr lang="en-US" altLang="zh-CN" sz="2400" dirty="0" smtClean="0"/>
-              <a:t>Appsettings</a:t>
-            </a:r>
-            <a:r>
-              <a:rPr lang="en-US" altLang="zh-CN" sz="2400" dirty="0" smtClean="0"/>
-              <a:t>;</a:t>
-            </a:r>
-          </a:p>
-          <a:p>
-            <a:pPr marL="0" indent="0">
-              <a:buNone/>
+              <a:rPr lang="zh-CN" altLang="en-US" dirty="0" smtClean="0"/>
+              <a:t>支持读取</a:t>
+            </a:r>
+            <a:r>
+              <a:rPr lang="en-US" altLang="zh-CN" dirty="0" smtClean="0"/>
+              <a:t>properties</a:t>
+            </a:r>
+            <a:r>
+              <a:rPr lang="zh-CN" altLang="en-US" dirty="0" smtClean="0"/>
+              <a:t>配置文件</a:t>
+            </a:r>
+            <a:endParaRPr lang="en-US" altLang="zh-CN" dirty="0" smtClean="0"/>
+          </a:p>
+          <a:p>
+            <a:pPr>
+              <a:buFont typeface="Wingdings" panose="05000000000000000000" pitchFamily="2" charset="2"/>
+              <a:buChar char="ü"/>
             </a:pPr>
+            <a:r>
+              <a:rPr lang="zh-CN" altLang="en-US" dirty="0" smtClean="0"/>
+              <a:t>基于文件监控的缓存，</a:t>
+            </a:r>
+            <a:r>
+              <a:rPr lang="zh-CN" altLang="en-US" dirty="0"/>
+              <a:t>修改即时</a:t>
+            </a:r>
+            <a:r>
+              <a:rPr lang="zh-CN" altLang="en-US" dirty="0" smtClean="0"/>
+              <a:t>生效</a:t>
+            </a:r>
             <a:endParaRPr lang="en-US" altLang="zh-CN" dirty="0" smtClean="0"/>
           </a:p>
           <a:p>
-            <a:pPr marL="0" indent="0">
-              <a:buNone/>
+            <a:pPr>
+              <a:buFont typeface="Wingdings" panose="05000000000000000000" pitchFamily="2" charset="2"/>
+              <a:buChar char="ü"/>
             </a:pPr>
             <a:r>
+              <a:rPr lang="zh-CN" altLang="en-US" dirty="0" smtClean="0"/>
+              <a:t>支持</a:t>
+            </a:r>
+            <a:r>
               <a:rPr lang="en-US" altLang="zh-CN" dirty="0" smtClean="0"/>
-              <a:t>Key-Value</a:t>
+              <a:t>kv</a:t>
             </a:r>
             <a:r>
               <a:rPr lang="zh-CN" altLang="en-US" dirty="0" smtClean="0"/>
-              <a:t>形式</a:t>
+              <a:t>、属性读取、对象、集合的映射</a:t>
             </a:r>
             <a:endParaRPr lang="en-US" altLang="zh-CN" dirty="0" smtClean="0"/>
           </a:p>
           <a:p>
-            <a:pPr marL="0" indent="0">
-              <a:buNone/>
+            <a:pPr>
+              <a:buFont typeface="Wingdings" panose="05000000000000000000" pitchFamily="2" charset="2"/>
+              <a:buChar char="ü"/>
             </a:pPr>
-            <a:endParaRPr lang="en-US" altLang="zh-CN" dirty="0"/>
-          </a:p>
-          <a:p>
-            <a:pPr marL="0" indent="0">
-              <a:buNone/>
-            </a:pPr>
-            <a:endParaRPr lang="en-US" altLang="zh-CN" dirty="0" smtClean="0"/>
-          </a:p>
-          <a:p>
-            <a:pPr marL="0" indent="0">
-              <a:buNone/>
-            </a:pPr>
-            <a:endParaRPr lang="en-US" altLang="zh-CN" dirty="0" smtClean="0"/>
-          </a:p>
-          <a:p>
-            <a:pPr marL="0" indent="0">
-              <a:buNone/>
-            </a:pPr>
-            <a:endParaRPr lang="en-US" altLang="zh-CN" dirty="0"/>
-          </a:p>
-          <a:p>
-            <a:pPr marL="0" indent="0">
-              <a:buNone/>
-            </a:pPr>
-            <a:r>
-              <a:rPr lang="en-US" altLang="zh-CN" sz="1600" dirty="0" smtClean="0"/>
-              <a:t>var postUrl = </a:t>
-            </a:r>
-            <a:r>
-              <a:rPr lang="en-US" altLang="zh-CN" sz="1600" dirty="0" smtClean="0"/>
-              <a:t>AppSettingsManager.AppSettings</a:t>
-            </a:r>
-            <a:r>
-              <a:rPr lang="en-US" altLang="zh-CN" sz="1600" dirty="0"/>
-              <a:t>["PostUrl"];</a:t>
-            </a:r>
-            <a:endParaRPr lang="en-US" altLang="zh-CN" sz="1600" dirty="0" smtClean="0"/>
-          </a:p>
-          <a:p>
-            <a:pPr marL="0" indent="0">
-              <a:buNone/>
-            </a:pPr>
+            <a:r>
+              <a:rPr lang="zh-CN" altLang="en-US" dirty="0" smtClean="0"/>
+              <a:t>独立使用（不搭配配置中心）</a:t>
+            </a:r>
             <a:endParaRPr lang="zh-CN" altLang="en-US" dirty="0"/>
           </a:p>
         </p:txBody>
       </p:sp>
-      <p:pic>
-        <p:nvPicPr>
-          <p:cNvPr id="1026" name="Picture 2"/>
-          <p:cNvPicPr>
-            <a:picLocks noChangeAspect="1" noChangeArrowheads="1"/>
-          </p:cNvPicPr>
-          <p:nvPr/>
-        </p:nvPicPr>
-        <p:blipFill>
-          <a:blip r:embed="rId2">
-            <a:extLst>
-              <a:ext uri="{28A0092B-C50C-407E-A947-70E740481C1C}">
-                <a14:useLocalDpi xmlns:a14="http://schemas.microsoft.com/office/drawing/2010/main" val="0"/>
-              </a:ext>
-            </a:extLst>
-          </a:blip>
-          <a:stretch>
-            <a:fillRect/>
-          </a:stretch>
-        </p:blipFill>
-        <p:spPr bwMode="auto">
-          <a:xfrm>
-            <a:off x="480580" y="3429000"/>
-            <a:ext cx="5514286" cy="1352381"/>
-          </a:xfrm>
-          <a:prstGeom prst="rect">
-            <a:avLst/>
-          </a:prstGeom>
-          <a:noFill/>
-          <a:ln>
-            <a:noFill/>
-          </a:ln>
-          <a:extLst>
-            <a:ext uri="{909E8E84-426E-40DD-AFC4-6F175D3DCCD1}">
-              <a14:hiddenFill xmlns:a14="http://schemas.microsoft.com/office/drawing/2010/main">
-                <a:solidFill>
-                  <a:schemeClr val="accent1"/>
-                </a:solidFill>
-              </a14:hiddenFill>
-            </a:ext>
-            <a:ext uri="{91240B29-F687-4F45-9708-019B960494DF}">
-              <a14:hiddenLine xmlns:a14="http://schemas.microsoft.com/office/drawing/2010/main" w="9525">
-                <a:solidFill>
-                  <a:schemeClr val="tx1"/>
-                </a:solidFill>
-                <a:miter lim="800000"/>
-                <a:headEnd/>
-                <a:tailEnd/>
-              </a14:hiddenLine>
-            </a:ext>
-          </a:extLst>
-        </p:spPr>
-      </p:pic>
     </p:spTree>
     <p:extLst>
       <p:ext uri="{BB962C8B-B14F-4D97-AF65-F5344CB8AC3E}">
@@ -4787,9 +4732,10 @@
           <a:lstStyle/>
           <a:p>
             <a:r>
-              <a:rPr lang="zh-CN" altLang="en-US" dirty="0"/>
-              <a:t>组件示例</a:t>
-            </a:r>
+              <a:rPr lang="en-US" altLang="zh-CN" dirty="0" smtClean="0"/>
+              <a:t>Disconf.Net</a:t>
+            </a:r>
+            <a:endParaRPr lang="zh-CN" altLang="en-US" dirty="0"/>
           </a:p>
         </p:txBody>
       </p:sp>
@@ -4803,173 +4749,78 @@
             <p:ph idx="1"/>
           </p:nvPr>
         </p:nvSpPr>
-        <p:spPr>
-          <a:xfrm>
-            <a:off x="179512" y="1600200"/>
-            <a:ext cx="8856984" cy="4525963"/>
-          </a:xfrm>
-        </p:spPr>
+        <p:spPr/>
         <p:txBody>
           <a:bodyPr>
             <a:normAutofit/>
           </a:bodyPr>
           <a:lstStyle/>
           <a:p>
-            <a:pPr marL="0" indent="0">
-              <a:buNone/>
+            <a:pPr>
+              <a:buFont typeface="Wingdings" panose="05000000000000000000" pitchFamily="2" charset="2"/>
+              <a:buChar char="ü"/>
             </a:pPr>
             <a:r>
+              <a:rPr lang="zh-CN" altLang="en-US" dirty="0"/>
+              <a:t>基于百度配置管理</a:t>
+            </a:r>
+            <a:r>
               <a:rPr lang="zh-CN" altLang="en-US" dirty="0" smtClean="0"/>
-              <a:t>直接映射</a:t>
-            </a:r>
-            <a:r>
-              <a:rPr lang="zh-CN" altLang="en-US" dirty="0"/>
-              <a:t>成对象或对象</a:t>
-            </a:r>
+              <a:t>中心</a:t>
+            </a:r>
+            <a:endParaRPr lang="en-US" altLang="zh-CN" dirty="0" smtClean="0"/>
+          </a:p>
+          <a:p>
+            <a:pPr>
+              <a:buFont typeface="Wingdings" panose="05000000000000000000" pitchFamily="2" charset="2"/>
+              <a:buChar char="ü"/>
+            </a:pPr>
             <a:r>
               <a:rPr lang="zh-CN" altLang="en-US" dirty="0" smtClean="0"/>
-              <a:t>集合</a:t>
+              <a:t>真正的分布式</a:t>
+            </a:r>
+            <a:endParaRPr lang="en-US" altLang="zh-CN" dirty="0"/>
+          </a:p>
+          <a:p>
+            <a:pPr>
+              <a:buFont typeface="Wingdings" panose="05000000000000000000" pitchFamily="2" charset="2"/>
+              <a:buChar char="ü"/>
+            </a:pPr>
+            <a:r>
+              <a:rPr lang="zh-CN" altLang="en-US" dirty="0" smtClean="0"/>
+              <a:t>与</a:t>
+            </a:r>
+            <a:r>
+              <a:rPr lang="en-US" altLang="zh-CN" dirty="0" smtClean="0"/>
+              <a:t>JAVA</a:t>
+            </a:r>
+            <a:r>
+              <a:rPr lang="zh-CN" altLang="en-US" dirty="0" smtClean="0"/>
+              <a:t>项目</a:t>
+            </a:r>
+            <a:r>
+              <a:rPr lang="zh-CN" altLang="en-US" dirty="0" smtClean="0"/>
+              <a:t>统一、集中管理各种配置</a:t>
             </a:r>
             <a:endParaRPr lang="en-US" altLang="zh-CN" dirty="0" smtClean="0"/>
           </a:p>
           <a:p>
-            <a:pPr marL="0" indent="0">
-              <a:buNone/>
+            <a:pPr>
+              <a:buFont typeface="Wingdings" panose="05000000000000000000" pitchFamily="2" charset="2"/>
+              <a:buChar char="ü"/>
             </a:pPr>
-            <a:endParaRPr lang="en-US" altLang="zh-CN" dirty="0"/>
-          </a:p>
-          <a:p>
-            <a:pPr marL="0" indent="0">
-              <a:buNone/>
-            </a:pPr>
+            <a:r>
+              <a:rPr lang="zh-CN" altLang="en-US" dirty="0" smtClean="0"/>
+              <a:t>修改即时生效</a:t>
+            </a:r>
             <a:endParaRPr lang="en-US" altLang="zh-CN" dirty="0" smtClean="0"/>
           </a:p>
-          <a:p>
-            <a:pPr marL="0" indent="0">
-              <a:buNone/>
-            </a:pPr>
-            <a:endParaRPr lang="en-US" altLang="zh-CN" dirty="0" smtClean="0"/>
-          </a:p>
-          <a:p>
-            <a:pPr marL="0" indent="0">
-              <a:buNone/>
-            </a:pPr>
-            <a:endParaRPr lang="en-US" altLang="zh-CN" dirty="0"/>
-          </a:p>
-          <a:p>
-            <a:pPr marL="0" indent="0">
-              <a:buNone/>
-            </a:pPr>
-            <a:endParaRPr lang="en-US" altLang="zh-CN" dirty="0" smtClean="0"/>
-          </a:p>
-          <a:p>
-            <a:pPr marL="0" indent="0">
-              <a:buNone/>
-            </a:pPr>
-            <a:endParaRPr lang="en-US" altLang="zh-CN" dirty="0"/>
-          </a:p>
-          <a:p>
-            <a:pPr marL="0" indent="0">
-              <a:buNone/>
-            </a:pPr>
-            <a:endParaRPr lang="en-US" altLang="zh-CN" dirty="0"/>
-          </a:p>
-          <a:p>
-            <a:pPr marL="0" indent="0">
-              <a:buNone/>
-            </a:pPr>
-            <a:endParaRPr lang="en-US" altLang="zh-CN" sz="1600" dirty="0" smtClean="0"/>
-          </a:p>
-          <a:p>
-            <a:pPr marL="0" indent="0">
-              <a:buNone/>
-            </a:pPr>
-            <a:r>
-              <a:rPr lang="en-US" altLang="zh-CN" sz="1600" dirty="0"/>
-              <a:t>var person = AppSettingsManager.GetEntity&lt;Person&gt;();</a:t>
-            </a:r>
-            <a:endParaRPr lang="en-US" altLang="zh-CN" sz="1600" dirty="0" smtClean="0"/>
-          </a:p>
-          <a:p>
-            <a:pPr marL="0" indent="0">
-              <a:buNone/>
-            </a:pPr>
-            <a:r>
-              <a:rPr lang="en-US" altLang="zh-CN" sz="1600" dirty="0"/>
-              <a:t>var list = AppSettingsManager.GetEntityList&lt;FaceMsg&gt;("AppSettings.FaceMsgList2</a:t>
-            </a:r>
-            <a:r>
-              <a:rPr lang="en-US" altLang="zh-CN" sz="1600" dirty="0" smtClean="0"/>
-              <a:t>");</a:t>
-            </a:r>
-            <a:endParaRPr lang="en-US" altLang="zh-CN" sz="1600" dirty="0" smtClean="0"/>
-          </a:p>
-          <a:p>
-            <a:pPr marL="0" indent="0">
-              <a:buNone/>
-            </a:pPr>
-            <a:endParaRPr lang="en-US" altLang="zh-CN" dirty="0"/>
-          </a:p>
-        </p:txBody>
-      </p:sp>
-      <p:pic>
-        <p:nvPicPr>
-          <p:cNvPr id="3076" name="Picture 4"/>
-          <p:cNvPicPr>
-            <a:picLocks noChangeAspect="1" noChangeArrowheads="1"/>
-          </p:cNvPicPr>
-          <p:nvPr/>
-        </p:nvPicPr>
-        <p:blipFill>
-          <a:blip r:embed="rId2">
-            <a:extLst>
-              <a:ext uri="{28A0092B-C50C-407E-A947-70E740481C1C}">
-                <a14:useLocalDpi xmlns:a14="http://schemas.microsoft.com/office/drawing/2010/main" val="0"/>
-              </a:ext>
-            </a:extLst>
-          </a:blip>
-          <a:srcRect/>
-          <a:stretch>
-            <a:fillRect/>
-          </a:stretch>
-        </p:blipFill>
-        <p:spPr bwMode="auto">
-          <a:xfrm>
-            <a:off x="323528" y="2226543"/>
-            <a:ext cx="7361237" cy="2714625"/>
-          </a:xfrm>
-          <a:prstGeom prst="rect">
-            <a:avLst/>
-          </a:prstGeom>
-          <a:noFill/>
-          <a:ln>
-            <a:noFill/>
-          </a:ln>
-          <a:extLst>
-            <a:ext uri="{909E8E84-426E-40DD-AFC4-6F175D3DCCD1}">
-              <a14:hiddenFill xmlns:a14="http://schemas.microsoft.com/office/drawing/2010/main">
-                <a:solidFill>
-                  <a:schemeClr val="accent1"/>
-                </a:solidFill>
-              </a14:hiddenFill>
-            </a:ext>
-            <a:ext uri="{91240B29-F687-4F45-9708-019B960494DF}">
-              <a14:hiddenLine xmlns:a14="http://schemas.microsoft.com/office/drawing/2010/main" w="9525">
-                <a:solidFill>
-                  <a:schemeClr val="tx1"/>
-                </a:solidFill>
-                <a:miter lim="800000"/>
-                <a:headEnd/>
-                <a:tailEnd/>
-              </a14:hiddenLine>
-            </a:ext>
-          </a:extLst>
-        </p:spPr>
-      </p:pic>
+        </p:txBody>
+      </p:sp>
     </p:spTree>
     <p:extLst>
       <p:ext uri="{BB962C8B-B14F-4D97-AF65-F5344CB8AC3E}">
-        <p14:creationId xmlns:p14="http://schemas.microsoft.com/office/powerpoint/2010/main" val="4216234147"/>
+        <p14:creationId xmlns:p14="http://schemas.microsoft.com/office/powerpoint/2010/main" val="3279449036"/>
       </p:ext>
     </p:extLst>
   </p:cSld>
@@ -5019,9 +4870,10 @@
           <a:lstStyle/>
           <a:p>
             <a:r>
-              <a:rPr lang="zh-CN" altLang="en-US" dirty="0"/>
+              <a:rPr lang="zh-CN" altLang="en-US" dirty="0" smtClean="0"/>
               <a:t>组件示例</a:t>
             </a:r>
+            <a:endParaRPr lang="zh-CN" altLang="en-US" dirty="0"/>
           </a:p>
         </p:txBody>
       </p:sp>
@@ -5038,7 +4890,7 @@
         <p:spPr/>
         <p:txBody>
           <a:bodyPr>
-            <a:normAutofit lnSpcReduction="10000"/>
+            <a:normAutofit/>
           </a:bodyPr>
           <a:lstStyle/>
           <a:p>
@@ -5047,13 +4899,46 @@
             </a:pPr>
             <a:r>
               <a:rPr lang="zh-CN" altLang="en-US" dirty="0" smtClean="0"/>
-              <a:t>读取</a:t>
-            </a:r>
-            <a:r>
-              <a:rPr lang="zh-CN" altLang="en-US" dirty="0"/>
-              <a:t>属性值</a:t>
-            </a:r>
-            <a:endParaRPr lang="en-US" altLang="zh-CN" dirty="0"/>
+              <a:t>引用</a:t>
+            </a:r>
+            <a:endParaRPr lang="en-US" altLang="zh-CN" dirty="0" smtClean="0"/>
+          </a:p>
+          <a:p>
+            <a:pPr marL="0" indent="0">
+              <a:buNone/>
+            </a:pPr>
+            <a:r>
+              <a:rPr lang="en-US" altLang="zh-CN" sz="2400" dirty="0" smtClean="0"/>
+              <a:t>using </a:t>
+            </a:r>
+            <a:r>
+              <a:rPr lang="en-US" altLang="zh-CN" sz="2400" dirty="0" err="1" smtClean="0"/>
+              <a:t>Appsettings</a:t>
+            </a:r>
+            <a:r>
+              <a:rPr lang="en-US" altLang="zh-CN" sz="2400" dirty="0" smtClean="0"/>
+              <a:t>;</a:t>
+            </a:r>
+          </a:p>
+          <a:p>
+            <a:pPr marL="0" indent="0">
+              <a:buNone/>
+            </a:pPr>
+            <a:endParaRPr lang="en-US" altLang="zh-CN" dirty="0" smtClean="0"/>
+          </a:p>
+          <a:p>
+            <a:pPr marL="0" indent="0">
+              <a:buNone/>
+            </a:pPr>
+            <a:r>
+              <a:rPr lang="en-US" altLang="zh-CN" dirty="0" smtClean="0"/>
+              <a:t>Key-Value</a:t>
+            </a:r>
+            <a:r>
+              <a:rPr lang="zh-CN" altLang="en-US" dirty="0" smtClean="0"/>
+              <a:t>形式</a:t>
+            </a:r>
+            <a:endParaRPr lang="en-US" altLang="zh-CN" dirty="0" smtClean="0"/>
           </a:p>
           <a:p>
             <a:pPr marL="0" indent="0">
@@ -5065,7 +4950,7 @@
             <a:pPr marL="0" indent="0">
               <a:buNone/>
             </a:pPr>
-            <a:endParaRPr lang="en-US" altLang="zh-CN" dirty="0"/>
+            <a:endParaRPr lang="en-US" altLang="zh-CN" dirty="0" smtClean="0"/>
           </a:p>
           <a:p>
             <a:pPr marL="0" indent="0">
@@ -5077,89 +4962,37 @@
             <a:pPr marL="0" indent="0">
               <a:buNone/>
             </a:pPr>
-            <a:endParaRPr lang="en-US" altLang="zh-CN" dirty="0" smtClean="0"/>
+            <a:endParaRPr lang="en-US" altLang="zh-CN" dirty="0"/>
           </a:p>
           <a:p>
             <a:pPr marL="0" indent="0">
               <a:buNone/>
             </a:pPr>
-            <a:endParaRPr lang="en-US" altLang="zh-CN" dirty="0" smtClean="0"/>
+            <a:r>
+              <a:rPr lang="en-US" altLang="zh-CN" sz="1600" dirty="0" smtClean="0"/>
+              <a:t>var postUrl = </a:t>
+            </a:r>
+            <a:r>
+              <a:rPr lang="en-US" altLang="zh-CN" sz="1600" dirty="0" err="1" smtClean="0"/>
+              <a:t>AppSettingsManager.AppSettings</a:t>
+            </a:r>
+            <a:r>
+              <a:rPr lang="en-US" altLang="zh-CN" sz="1600" dirty="0"/>
+              <a:t>["PostUrl"];</a:t>
+            </a:r>
+            <a:endParaRPr lang="en-US" altLang="zh-CN" sz="1600" dirty="0" smtClean="0"/>
           </a:p>
           <a:p>
             <a:pPr marL="0" indent="0">
               <a:buNone/>
             </a:pPr>
-            <a:r>
-              <a:rPr lang="en-US" altLang="zh-CN" sz="1600" dirty="0" smtClean="0"/>
-              <a:t>var </a:t>
-            </a:r>
-            <a:r>
-              <a:rPr lang="en-US" altLang="zh-CN" sz="1600" dirty="0"/>
-              <a:t>name = AppSettingsManager.GetAttributesValue("Person", "Name</a:t>
-            </a:r>
-            <a:r>
-              <a:rPr lang="en-US" altLang="zh-CN" sz="1600" dirty="0" smtClean="0"/>
-              <a:t>");</a:t>
-            </a:r>
-          </a:p>
-          <a:p>
-            <a:pPr marL="0" indent="0">
-              <a:buNone/>
-            </a:pPr>
-            <a:r>
-              <a:rPr lang="en-US" altLang="zh-CN" sz="1600" dirty="0" smtClean="0"/>
-              <a:t>var </a:t>
-            </a:r>
-            <a:r>
-              <a:rPr lang="en-US" altLang="zh-CN" sz="1600" dirty="0"/>
-              <a:t>age = AppSettingsManager.GetAttributesValue("Person", "Age");</a:t>
-            </a:r>
-          </a:p>
-          <a:p>
-            <a:pPr marL="0" indent="0">
-              <a:buNone/>
-            </a:pPr>
-            <a:r>
-              <a:rPr lang="en-US" altLang="zh-CN" sz="1600" dirty="0" smtClean="0"/>
-              <a:t>var </a:t>
-            </a:r>
-            <a:r>
-              <a:rPr lang="en-US" altLang="zh-CN" sz="1600" dirty="0"/>
-              <a:t>height = AppSettingsManager.GetAttributesValue("Person", "Height");</a:t>
-            </a:r>
-            <a:endParaRPr lang="en-US" altLang="zh-CN" sz="1600" dirty="0"/>
-          </a:p>
-          <a:p>
-            <a:pPr marL="0" indent="0">
-              <a:buNone/>
-            </a:pPr>
-            <a:endParaRPr lang="en-US" altLang="zh-CN" dirty="0" smtClean="0"/>
-          </a:p>
-          <a:p>
-            <a:pPr marL="0" indent="0">
-              <a:buNone/>
-            </a:pPr>
-            <a:endParaRPr lang="en-US" altLang="zh-CN" dirty="0" smtClean="0"/>
-          </a:p>
-          <a:p>
-            <a:pPr marL="0" indent="0">
-              <a:buNone/>
-            </a:pPr>
-            <a:r>
-              <a:rPr lang="zh-CN" altLang="en-US" dirty="0" smtClean="0"/>
-              <a:t>更多，请参考</a:t>
-            </a:r>
-            <a:r>
-              <a:rPr lang="en-US" altLang="zh-CN" dirty="0" smtClean="0"/>
-              <a:t>Project Appsettings.Test</a:t>
-            </a:r>
-            <a:endParaRPr lang="en-US" altLang="zh-CN" dirty="0"/>
+            <a:endParaRPr lang="zh-CN" altLang="en-US" dirty="0"/>
           </a:p>
         </p:txBody>
       </p:sp>
       <p:pic>
         <p:nvPicPr>
-          <p:cNvPr id="4099" name="Picture 3"/>
+          <p:cNvPr id="1026" name="Picture 2"/>
           <p:cNvPicPr>
             <a:picLocks noChangeAspect="1" noChangeArrowheads="1"/>
           </p:cNvPicPr>
@@ -5179,8 +5012,8 @@
         </p:blipFill>
         <p:spPr bwMode="auto">
           <a:xfrm>
-            <a:off x="539552" y="2348880"/>
-            <a:ext cx="6847619" cy="1219048"/>
+            <a:off x="480580" y="3429000"/>
+            <a:ext cx="5514286" cy="1352381"/>
           </a:xfrm>
           <a:prstGeom prst="rect">
             <a:avLst/>
@@ -5213,7 +5046,7 @@
     </p:spTree>
     <p:extLst>
       <p:ext uri="{BB962C8B-B14F-4D97-AF65-F5344CB8AC3E}">
-        <p14:creationId xmlns:p14="http://schemas.microsoft.com/office/powerpoint/2010/main" val="1836986474"/>
+        <p14:creationId xmlns:p14="http://schemas.microsoft.com/office/powerpoint/2010/main" val="1360906043"/>
       </p:ext>
     </p:extLst>
   </p:cSld>
@@ -5263,10 +5096,9 @@
           <a:lstStyle/>
           <a:p>
             <a:r>
-              <a:rPr lang="zh-CN" altLang="en-US" dirty="0" smtClean="0"/>
-              <a:t>如何接入</a:t>
-            </a:r>
-            <a:endParaRPr lang="zh-CN" altLang="en-US" dirty="0"/>
+              <a:rPr lang="zh-CN" altLang="en-US" dirty="0"/>
+              <a:t>组件示例</a:t>
+            </a:r>
           </a:p>
         </p:txBody>
       </p:sp>
@@ -5282,8 +5114,8 @@
         </p:nvSpPr>
         <p:spPr>
           <a:xfrm>
-            <a:off x="457200" y="1600200"/>
-            <a:ext cx="8229600" cy="4853136"/>
+            <a:off x="179512" y="1600200"/>
+            <a:ext cx="8856984" cy="4525963"/>
           </a:xfrm>
         </p:spPr>
         <p:txBody>
@@ -5292,71 +5124,105 @@
           </a:bodyPr>
           <a:lstStyle/>
           <a:p>
+            <a:pPr marL="0" indent="0">
+              <a:buNone/>
+            </a:pPr>
             <a:r>
               <a:rPr lang="zh-CN" altLang="en-US" dirty="0" smtClean="0"/>
-              <a:t>客户端配置</a:t>
-            </a:r>
-            <a:r>
-              <a:rPr lang="en-US" altLang="zh-CN" dirty="0" smtClean="0"/>
-              <a:t> </a:t>
-            </a:r>
-            <a:r>
-              <a:rPr lang="en-US" altLang="zh-CN" i="1" dirty="0" smtClean="0"/>
-              <a:t>---</a:t>
-            </a:r>
-            <a:r>
-              <a:rPr lang="zh-CN" altLang="en-US" sz="2000" i="1" dirty="0" smtClean="0"/>
-              <a:t>增加自定义</a:t>
-            </a:r>
-            <a:r>
-              <a:rPr lang="en-US" altLang="zh-CN" sz="2000" i="1" dirty="0" smtClean="0"/>
-              <a:t>section</a:t>
-            </a:r>
-            <a:r>
-              <a:rPr lang="en-US" altLang="zh-CN" dirty="0" smtClean="0"/>
-              <a:t>    </a:t>
-            </a:r>
-          </a:p>
-          <a:p>
+              <a:t>直接映射</a:t>
+            </a:r>
+            <a:r>
+              <a:rPr lang="zh-CN" altLang="en-US" dirty="0"/>
+              <a:t>成对象或对象</a:t>
+            </a:r>
+            <a:r>
+              <a:rPr lang="zh-CN" altLang="en-US" dirty="0" smtClean="0"/>
+              <a:t>集合</a:t>
+            </a:r>
+            <a:endParaRPr lang="en-US" altLang="zh-CN" dirty="0" smtClean="0"/>
+          </a:p>
+          <a:p>
+            <a:pPr marL="0" indent="0">
+              <a:buNone/>
+            </a:pPr>
             <a:endParaRPr lang="en-US" altLang="zh-CN" dirty="0"/>
           </a:p>
           <a:p>
+            <a:pPr marL="0" indent="0">
+              <a:buNone/>
+            </a:pPr>
             <a:endParaRPr lang="en-US" altLang="zh-CN" dirty="0" smtClean="0"/>
           </a:p>
           <a:p>
+            <a:pPr marL="0" indent="0">
+              <a:buNone/>
+            </a:pPr>
+            <a:endParaRPr lang="en-US" altLang="zh-CN" dirty="0" smtClean="0"/>
+          </a:p>
+          <a:p>
+            <a:pPr marL="0" indent="0">
+              <a:buNone/>
+            </a:pPr>
             <a:endParaRPr lang="en-US" altLang="zh-CN" dirty="0"/>
           </a:p>
           <a:p>
+            <a:pPr marL="0" indent="0">
+              <a:buNone/>
+            </a:pPr>
             <a:endParaRPr lang="en-US" altLang="zh-CN" dirty="0" smtClean="0"/>
           </a:p>
           <a:p>
+            <a:pPr marL="0" indent="0">
+              <a:buNone/>
+            </a:pPr>
             <a:endParaRPr lang="en-US" altLang="zh-CN" dirty="0"/>
           </a:p>
           <a:p>
-            <a:endParaRPr lang="en-US" altLang="zh-CN" dirty="0" smtClean="0"/>
-          </a:p>
-          <a:p>
+            <a:pPr marL="0" indent="0">
+              <a:buNone/>
+            </a:pPr>
             <a:endParaRPr lang="en-US" altLang="zh-CN" dirty="0"/>
           </a:p>
           <a:p>
             <a:pPr marL="0" indent="0">
               <a:buNone/>
             </a:pPr>
-            <a:r>
-              <a:rPr lang="zh-CN" altLang="en-US" sz="2400" dirty="0" smtClean="0"/>
-              <a:t>告诉组件该应用加载哪些</a:t>
-            </a:r>
-            <a:r>
-              <a:rPr lang="zh-CN" altLang="en-US" sz="2400" dirty="0" smtClean="0"/>
-              <a:t>配置文件</a:t>
-            </a:r>
-            <a:endParaRPr lang="zh-CN" altLang="en-US" sz="2400" dirty="0"/>
+            <a:endParaRPr lang="en-US" altLang="zh-CN" sz="1600" dirty="0" smtClean="0"/>
+          </a:p>
+          <a:p>
+            <a:pPr marL="0" indent="0">
+              <a:buNone/>
+            </a:pPr>
+            <a:r>
+              <a:rPr lang="en-US" altLang="zh-CN" sz="1600" dirty="0"/>
+              <a:t>var person = AppSettingsManager.GetEntity&lt;Person&gt;();</a:t>
+            </a:r>
+            <a:endParaRPr lang="en-US" altLang="zh-CN" sz="1600" dirty="0" smtClean="0"/>
+          </a:p>
+          <a:p>
+            <a:pPr marL="0" indent="0">
+              <a:buNone/>
+            </a:pPr>
+            <a:r>
+              <a:rPr lang="en-US" altLang="zh-CN" sz="1600" dirty="0"/>
+              <a:t>var list = AppSettingsManager.GetEntityList&lt;FaceMsg&gt;("AppSettings.FaceMsgList2</a:t>
+            </a:r>
+            <a:r>
+              <a:rPr lang="en-US" altLang="zh-CN" sz="1600" dirty="0" smtClean="0"/>
+              <a:t>");</a:t>
+            </a:r>
+          </a:p>
+          <a:p>
+            <a:pPr marL="0" indent="0">
+              <a:buNone/>
+            </a:pPr>
+            <a:endParaRPr lang="en-US" altLang="zh-CN" dirty="0"/>
           </a:p>
         </p:txBody>
       </p:sp>
       <p:pic>
         <p:nvPicPr>
-          <p:cNvPr id="5" name="Picture 4"/>
+          <p:cNvPr id="3076" name="Picture 4"/>
           <p:cNvPicPr>
             <a:picLocks noChangeAspect="1" noChangeArrowheads="1"/>
           </p:cNvPicPr>
@@ -5377,8 +5243,8 @@
         </p:blipFill>
         <p:spPr bwMode="auto">
           <a:xfrm>
-            <a:off x="899592" y="2204864"/>
-            <a:ext cx="5876925" cy="1762125"/>
+            <a:off x="323528" y="2226543"/>
+            <a:ext cx="7361237" cy="2714625"/>
           </a:xfrm>
           <a:prstGeom prst="rect">
             <a:avLst/>
@@ -5411,7 +5277,7 @@
     </p:spTree>
     <p:extLst>
       <p:ext uri="{BB962C8B-B14F-4D97-AF65-F5344CB8AC3E}">
-        <p14:creationId xmlns:p14="http://schemas.microsoft.com/office/powerpoint/2010/main" val="3257307656"/>
+        <p14:creationId xmlns:p14="http://schemas.microsoft.com/office/powerpoint/2010/main" val="4216234147"/>
       </p:ext>
     </p:extLst>
   </p:cSld>
@@ -5461,113 +5327,41 @@
           <a:lstStyle/>
           <a:p>
             <a:r>
+              <a:rPr lang="zh-CN" altLang="en-US" dirty="0"/>
+              <a:t>组件示例</a:t>
+            </a:r>
+          </a:p>
+        </p:txBody>
+      </p:sp>
+      <p:sp>
+        <p:nvSpPr>
+          <p:cNvPr id="3" name="内容占位符 2"/>
+          <p:cNvSpPr>
+            <a:spLocks noGrp="1"/>
+          </p:cNvSpPr>
+          <p:nvPr>
+            <p:ph idx="1"/>
+          </p:nvPr>
+        </p:nvSpPr>
+        <p:spPr/>
+        <p:txBody>
+          <a:bodyPr>
+            <a:normAutofit lnSpcReduction="10000"/>
+          </a:bodyPr>
+          <a:lstStyle/>
+          <a:p>
+            <a:pPr marL="0" indent="0">
+              <a:buNone/>
+            </a:pPr>
+            <a:r>
               <a:rPr lang="zh-CN" altLang="en-US" dirty="0" smtClean="0"/>
-              <a:t>如何接入</a:t>
-            </a:r>
-            <a:endParaRPr lang="zh-CN" altLang="en-US" dirty="0"/>
-          </a:p>
-        </p:txBody>
-      </p:sp>
-      <p:sp>
-        <p:nvSpPr>
-          <p:cNvPr id="3" name="内容占位符 2"/>
-          <p:cNvSpPr>
-            <a:spLocks noGrp="1"/>
-          </p:cNvSpPr>
-          <p:nvPr>
-            <p:ph idx="1"/>
-          </p:nvPr>
-        </p:nvSpPr>
-        <p:spPr>
-          <a:xfrm>
-            <a:off x="457200" y="1600200"/>
-            <a:ext cx="8229600" cy="4853136"/>
-          </a:xfrm>
-        </p:spPr>
-        <p:txBody>
-          <a:bodyPr/>
-          <a:lstStyle/>
-          <a:p>
+              <a:t>读取</a:t>
+            </a:r>
             <a:r>
               <a:rPr lang="zh-CN" altLang="en-US" dirty="0"/>
-              <a:t>安装</a:t>
-            </a:r>
-            <a:r>
-              <a:rPr lang="en-US" altLang="zh-CN" dirty="0" smtClean="0"/>
-              <a:t>WinService</a:t>
-            </a:r>
-          </a:p>
-          <a:p>
-            <a:pPr marL="0" indent="0">
-              <a:buNone/>
-            </a:pPr>
-            <a:r>
-              <a:rPr lang="en-US" altLang="zh-CN" dirty="0" smtClean="0"/>
-              <a:t> </a:t>
-            </a:r>
-            <a:r>
-              <a:rPr lang="en-US" altLang="zh-CN" sz="2000" dirty="0" smtClean="0"/>
-              <a:t>Disconf</a:t>
-            </a:r>
-            <a:r>
-              <a:rPr lang="zh-CN" altLang="en-US" sz="2000" dirty="0" smtClean="0"/>
-              <a:t>配置</a:t>
-            </a:r>
-            <a:endParaRPr lang="en-US" altLang="zh-CN" sz="2000" i="1" dirty="0" smtClean="0"/>
-          </a:p>
-          <a:p>
-            <a:pPr marL="0" indent="0">
-              <a:buNone/>
-            </a:pPr>
-            <a:r>
-              <a:rPr lang="en-US" altLang="zh-CN" dirty="0"/>
-              <a:t> </a:t>
-            </a:r>
-            <a:r>
-              <a:rPr lang="en-US" altLang="zh-CN" dirty="0" smtClean="0"/>
-              <a:t>   </a:t>
-            </a:r>
-          </a:p>
-          <a:p>
-            <a:pPr marL="0" indent="0">
-              <a:buNone/>
-            </a:pPr>
-            <a:r>
-              <a:rPr lang="en-US" altLang="zh-CN" sz="2400" dirty="0"/>
-              <a:t> </a:t>
-            </a:r>
-            <a:r>
-              <a:rPr lang="en-US" altLang="zh-CN" sz="2400" dirty="0" smtClean="0"/>
-              <a:t>   </a:t>
-            </a:r>
-          </a:p>
-          <a:p>
-            <a:pPr marL="0" indent="0">
-              <a:buNone/>
-            </a:pPr>
-            <a:r>
-              <a:rPr lang="en-US" altLang="zh-CN" sz="2400" dirty="0"/>
-              <a:t> </a:t>
-            </a:r>
-            <a:r>
-              <a:rPr lang="en-US" altLang="zh-CN" sz="2400" dirty="0" smtClean="0"/>
-              <a:t> </a:t>
-            </a:r>
-            <a:r>
-              <a:rPr lang="zh-CN" altLang="en-US" sz="2400" dirty="0" smtClean="0"/>
-              <a:t>客户端</a:t>
-            </a:r>
-            <a:r>
-              <a:rPr lang="zh-CN" altLang="en-US" sz="2400" dirty="0" smtClean="0"/>
-              <a:t>注册</a:t>
-            </a:r>
-            <a:endParaRPr lang="en-US" altLang="zh-CN" sz="2400" dirty="0" smtClean="0"/>
-          </a:p>
-          <a:p>
-            <a:pPr marL="0" indent="0">
-              <a:buNone/>
-            </a:pPr>
-            <a:endParaRPr lang="en-US" altLang="zh-CN" sz="2400" dirty="0" smtClean="0"/>
+              <a:t>属性值</a:t>
+            </a:r>
+            <a:endParaRPr lang="en-US" altLang="zh-CN" dirty="0"/>
           </a:p>
           <a:p>
             <a:pPr marL="0" indent="0">
@@ -5579,13 +5373,104 @@
             <a:pPr marL="0" indent="0">
               <a:buNone/>
             </a:pPr>
-            <a:endParaRPr lang="zh-CN" altLang="en-US" dirty="0"/>
+            <a:endParaRPr lang="en-US" altLang="zh-CN" dirty="0"/>
+          </a:p>
+          <a:p>
+            <a:pPr marL="0" indent="0">
+              <a:buNone/>
+            </a:pPr>
+            <a:endParaRPr lang="en-US" altLang="zh-CN" dirty="0" smtClean="0"/>
+          </a:p>
+          <a:p>
+            <a:pPr marL="0" indent="0">
+              <a:buNone/>
+            </a:pPr>
+            <a:endParaRPr lang="en-US" altLang="zh-CN" dirty="0" smtClean="0"/>
+          </a:p>
+          <a:p>
+            <a:pPr marL="0" indent="0">
+              <a:buNone/>
+            </a:pPr>
+            <a:endParaRPr lang="en-US" altLang="zh-CN" dirty="0" smtClean="0"/>
+          </a:p>
+          <a:p>
+            <a:pPr marL="0" indent="0">
+              <a:buNone/>
+            </a:pPr>
+            <a:r>
+              <a:rPr lang="en-US" altLang="zh-CN" sz="1600" dirty="0" smtClean="0"/>
+              <a:t>var </a:t>
+            </a:r>
+            <a:r>
+              <a:rPr lang="en-US" altLang="zh-CN" sz="1600" dirty="0"/>
+              <a:t>name = AppSettingsManager.GetAttributesValue("Person", "Name</a:t>
+            </a:r>
+            <a:r>
+              <a:rPr lang="en-US" altLang="zh-CN" sz="1600" dirty="0" smtClean="0"/>
+              <a:t>");</a:t>
+            </a:r>
+          </a:p>
+          <a:p>
+            <a:pPr marL="0" indent="0">
+              <a:buNone/>
+            </a:pPr>
+            <a:r>
+              <a:rPr lang="en-US" altLang="zh-CN" sz="1600" dirty="0" smtClean="0"/>
+              <a:t>var </a:t>
+            </a:r>
+            <a:r>
+              <a:rPr lang="en-US" altLang="zh-CN" sz="1600" dirty="0"/>
+              <a:t>age = AppSettingsManager.GetAttributesValue("Person", "Age");</a:t>
+            </a:r>
+          </a:p>
+          <a:p>
+            <a:pPr marL="0" indent="0">
+              <a:buNone/>
+            </a:pPr>
+            <a:r>
+              <a:rPr lang="en-US" altLang="zh-CN" sz="1600" dirty="0" smtClean="0"/>
+              <a:t>var </a:t>
+            </a:r>
+            <a:r>
+              <a:rPr lang="en-US" altLang="zh-CN" sz="1600" dirty="0"/>
+              <a:t>height = AppSettingsManager.GetAttributesValue("Person", "Height");</a:t>
+            </a:r>
+          </a:p>
+          <a:p>
+            <a:pPr marL="0" indent="0">
+              <a:buNone/>
+            </a:pPr>
+            <a:endParaRPr lang="en-US" altLang="zh-CN" dirty="0" smtClean="0"/>
+          </a:p>
+          <a:p>
+            <a:pPr marL="0" indent="0">
+              <a:buNone/>
+            </a:pPr>
+            <a:endParaRPr lang="en-US" altLang="zh-CN" dirty="0" smtClean="0"/>
+          </a:p>
+          <a:p>
+            <a:pPr marL="0" indent="0">
+              <a:buNone/>
+            </a:pPr>
+            <a:r>
+              <a:rPr lang="zh-CN" altLang="en-US" dirty="0" smtClean="0"/>
+              <a:t>更多，请参考</a:t>
+            </a:r>
+            <a:r>
+              <a:rPr lang="en-US" altLang="zh-CN" dirty="0" smtClean="0"/>
+              <a:t>Project </a:t>
+            </a:r>
+            <a:r>
+              <a:rPr lang="en-US" altLang="zh-CN" dirty="0" err="1" smtClean="0"/>
+              <a:t>Appsettings.Test</a:t>
+            </a:r>
+            <a:endParaRPr lang="en-US" altLang="zh-CN" dirty="0"/>
           </a:p>
         </p:txBody>
       </p:sp>
       <p:pic>
         <p:nvPicPr>
-          <p:cNvPr id="2050" name="Picture 2"/>
+          <p:cNvPr id="4099" name="Picture 3"/>
           <p:cNvPicPr>
             <a:picLocks noChangeAspect="1" noChangeArrowheads="1"/>
           </p:cNvPicPr>
@@ -5599,15 +5484,14 @@
               </a:ext>
             </a:extLst>
           </a:blip>
-          <a:srcRect/>
           <a:stretch>
             <a:fillRect/>
           </a:stretch>
         </p:blipFill>
         <p:spPr bwMode="auto">
           <a:xfrm>
-            <a:off x="652636" y="2492896"/>
-            <a:ext cx="5143500" cy="771525"/>
+            <a:off x="539552" y="2348880"/>
+            <a:ext cx="6847619" cy="1219048"/>
           </a:xfrm>
           <a:prstGeom prst="rect">
             <a:avLst/>
@@ -5637,6 +5521,441 @@
           </a:extLst>
         </p:spPr>
       </p:pic>
+    </p:spTree>
+    <p:extLst>
+      <p:ext uri="{BB962C8B-B14F-4D97-AF65-F5344CB8AC3E}">
+        <p14:creationId xmlns:p14="http://schemas.microsoft.com/office/powerpoint/2010/main" val="1836986474"/>
+      </p:ext>
+    </p:extLst>
+  </p:cSld>
+  <p:clrMapOvr>
+    <a:masterClrMapping/>
+  </p:clrMapOvr>
+  <p:timing>
+    <p:tnLst>
+      <p:par>
+        <p:cTn id="1" dur="indefinite" restart="never" nodeType="tmRoot"/>
+      </p:par>
+    </p:tnLst>
+  </p:timing>
+</p:sld>
+</file>
+
+<file path=ppt/slides/slide8.xml><?xml version="1.0" encoding="utf-8"?>
+<p:sld xmlns:a="http://schemas.openxmlformats.org/drawingml/2006/main" xmlns:r="http://schemas.openxmlformats.org/officeDocument/2006/relationships" xmlns:p="http://schemas.openxmlformats.org/presentationml/2006/main">
+  <p:cSld>
+    <p:spTree>
+      <p:nvGrpSpPr>
+        <p:cNvPr id="1" name=""/>
+        <p:cNvGrpSpPr/>
+        <p:nvPr/>
+      </p:nvGrpSpPr>
+      <p:grpSpPr>
+        <a:xfrm>
+          <a:off x="0" y="0"/>
+          <a:ext cx="0" cy="0"/>
+          <a:chOff x="0" y="0"/>
+          <a:chExt cx="0" cy="0"/>
+        </a:xfrm>
+      </p:grpSpPr>
+      <p:sp>
+        <p:nvSpPr>
+          <p:cNvPr id="2" name="标题 1"/>
+          <p:cNvSpPr>
+            <a:spLocks noGrp="1"/>
+          </p:cNvSpPr>
+          <p:nvPr>
+            <p:ph type="title"/>
+          </p:nvPr>
+        </p:nvSpPr>
+        <p:spPr/>
+        <p:txBody>
+          <a:bodyPr/>
+          <a:lstStyle/>
+          <a:p>
+            <a:r>
+              <a:rPr lang="zh-CN" altLang="en-US" dirty="0" smtClean="0"/>
+              <a:t>接入</a:t>
+            </a:r>
+            <a:r>
+              <a:rPr lang="en-US" altLang="zh-CN" dirty="0" smtClean="0"/>
+              <a:t>disconf</a:t>
+            </a:r>
+            <a:r>
+              <a:rPr lang="zh-CN" altLang="en-US" dirty="0" smtClean="0"/>
+              <a:t>配置中心</a:t>
+            </a:r>
+            <a:endParaRPr lang="zh-CN" altLang="en-US" dirty="0"/>
+          </a:p>
+        </p:txBody>
+      </p:sp>
+      <p:sp>
+        <p:nvSpPr>
+          <p:cNvPr id="3" name="内容占位符 2"/>
+          <p:cNvSpPr>
+            <a:spLocks noGrp="1"/>
+          </p:cNvSpPr>
+          <p:nvPr>
+            <p:ph idx="1"/>
+          </p:nvPr>
+        </p:nvSpPr>
+        <p:spPr>
+          <a:xfrm>
+            <a:off x="457200" y="1600200"/>
+            <a:ext cx="8229600" cy="4853136"/>
+          </a:xfrm>
+        </p:spPr>
+        <p:txBody>
+          <a:bodyPr>
+            <a:normAutofit/>
+          </a:bodyPr>
+          <a:lstStyle/>
+          <a:p>
+            <a:r>
+              <a:rPr lang="zh-CN" altLang="en-US" dirty="0" smtClean="0"/>
+              <a:t>客户端配置</a:t>
+            </a:r>
+            <a:r>
+              <a:rPr lang="en-US" altLang="zh-CN" dirty="0" smtClean="0"/>
+              <a:t> </a:t>
+            </a:r>
+            <a:r>
+              <a:rPr lang="en-US" altLang="zh-CN" i="1" dirty="0" smtClean="0"/>
+              <a:t>---</a:t>
+            </a:r>
+            <a:r>
+              <a:rPr lang="zh-CN" altLang="en-US" sz="2000" i="1" dirty="0" smtClean="0"/>
+              <a:t>增加自定义</a:t>
+            </a:r>
+            <a:r>
+              <a:rPr lang="en-US" altLang="zh-CN" sz="2000" i="1" dirty="0" smtClean="0"/>
+              <a:t>section</a:t>
+            </a:r>
+            <a:r>
+              <a:rPr lang="en-US" altLang="zh-CN" dirty="0" smtClean="0"/>
+              <a:t>    </a:t>
+            </a:r>
+          </a:p>
+          <a:p>
+            <a:endParaRPr lang="en-US" altLang="zh-CN" dirty="0"/>
+          </a:p>
+          <a:p>
+            <a:endParaRPr lang="en-US" altLang="zh-CN" dirty="0" smtClean="0"/>
+          </a:p>
+          <a:p>
+            <a:endParaRPr lang="en-US" altLang="zh-CN" dirty="0"/>
+          </a:p>
+          <a:p>
+            <a:endParaRPr lang="en-US" altLang="zh-CN" dirty="0" smtClean="0"/>
+          </a:p>
+          <a:p>
+            <a:endParaRPr lang="en-US" altLang="zh-CN" dirty="0"/>
+          </a:p>
+          <a:p>
+            <a:endParaRPr lang="en-US" altLang="zh-CN" dirty="0" smtClean="0"/>
+          </a:p>
+          <a:p>
+            <a:endParaRPr lang="en-US" altLang="zh-CN" dirty="0"/>
+          </a:p>
+          <a:p>
+            <a:pPr marL="0" indent="0">
+              <a:buNone/>
+            </a:pPr>
+            <a:r>
+              <a:rPr lang="zh-CN" altLang="en-US" sz="2400" dirty="0" smtClean="0"/>
+              <a:t>告诉组件该应用加载哪些配置文件</a:t>
+            </a:r>
+            <a:endParaRPr lang="zh-CN" altLang="en-US" sz="2400" dirty="0"/>
+          </a:p>
+        </p:txBody>
+      </p:sp>
+      <p:pic>
+        <p:nvPicPr>
+          <p:cNvPr id="5" name="Picture 4"/>
+          <p:cNvPicPr>
+            <a:picLocks noChangeAspect="1" noChangeArrowheads="1"/>
+          </p:cNvPicPr>
+          <p:nvPr/>
+        </p:nvPicPr>
+        <p:blipFill>
+          <a:blip r:embed="rId2">
+            <a:extLst>
+              <a:ext uri="{28A0092B-C50C-407E-A947-70E740481C1C}">
+                <a14:useLocalDpi xmlns:a14="http://schemas.microsoft.com/office/drawing/2010/main" val="0"/>
+              </a:ext>
+            </a:extLst>
+          </a:blip>
+          <a:srcRect/>
+          <a:stretch>
+            <a:fillRect/>
+          </a:stretch>
+        </p:blipFill>
+        <p:spPr bwMode="auto">
+          <a:xfrm>
+            <a:off x="899592" y="2204864"/>
+            <a:ext cx="5876925" cy="1762125"/>
+          </a:xfrm>
+          <a:prstGeom prst="rect">
+            <a:avLst/>
+          </a:prstGeom>
+          <a:noFill/>
+          <a:ln>
+            <a:noFill/>
+          </a:ln>
+          <a:extLst>
+            <a:ext uri="{909E8E84-426E-40DD-AFC4-6F175D3DCCD1}">
+              <a14:hiddenFill xmlns:a14="http://schemas.microsoft.com/office/drawing/2010/main">
+                <a:solidFill>
+                  <a:schemeClr val="accent1"/>
+                </a:solidFill>
+              </a14:hiddenFill>
+            </a:ext>
+            <a:ext uri="{91240B29-F687-4F45-9708-019B960494DF}">
+              <a14:hiddenLine xmlns:a14="http://schemas.microsoft.com/office/drawing/2010/main" w="9525">
+                <a:solidFill>
+                  <a:schemeClr val="tx1"/>
+                </a:solidFill>
+                <a:miter lim="800000"/>
+                <a:headEnd/>
+                <a:tailEnd/>
+              </a14:hiddenLine>
+            </a:ext>
+          </a:extLst>
+        </p:spPr>
+      </p:pic>
+    </p:spTree>
+    <p:extLst>
+      <p:ext uri="{BB962C8B-B14F-4D97-AF65-F5344CB8AC3E}">
+        <p14:creationId xmlns:p14="http://schemas.microsoft.com/office/powerpoint/2010/main" val="3257307656"/>
+      </p:ext>
+    </p:extLst>
+  </p:cSld>
+  <p:clrMapOvr>
+    <a:masterClrMapping/>
+  </p:clrMapOvr>
+  <p:timing>
+    <p:tnLst>
+      <p:par>
+        <p:cTn id="1" dur="indefinite" restart="never" nodeType="tmRoot"/>
+      </p:par>
+    </p:tnLst>
+  </p:timing>
+</p:sld>
+</file>
+
+<file path=ppt/slides/slide9.xml><?xml version="1.0" encoding="utf-8"?>
+<p:sld xmlns:a="http://schemas.openxmlformats.org/drawingml/2006/main" xmlns:r="http://schemas.openxmlformats.org/officeDocument/2006/relationships" xmlns:p="http://schemas.openxmlformats.org/presentationml/2006/main">
+  <p:cSld>
+    <p:spTree>
+      <p:nvGrpSpPr>
+        <p:cNvPr id="1" name=""/>
+        <p:cNvGrpSpPr/>
+        <p:nvPr/>
+      </p:nvGrpSpPr>
+      <p:grpSpPr>
+        <a:xfrm>
+          <a:off x="0" y="0"/>
+          <a:ext cx="0" cy="0"/>
+          <a:chOff x="0" y="0"/>
+          <a:chExt cx="0" cy="0"/>
+        </a:xfrm>
+      </p:grpSpPr>
+      <p:sp>
+        <p:nvSpPr>
+          <p:cNvPr id="2" name="标题 1"/>
+          <p:cNvSpPr>
+            <a:spLocks noGrp="1"/>
+          </p:cNvSpPr>
+          <p:nvPr>
+            <p:ph type="title"/>
+          </p:nvPr>
+        </p:nvSpPr>
+        <p:spPr/>
+        <p:txBody>
+          <a:bodyPr/>
+          <a:lstStyle/>
+          <a:p>
+            <a:r>
+              <a:rPr lang="zh-CN" altLang="en-US" dirty="0"/>
+              <a:t>接入</a:t>
+            </a:r>
+            <a:r>
+              <a:rPr lang="en-US" altLang="zh-CN" dirty="0"/>
+              <a:t>disconf</a:t>
+            </a:r>
+            <a:r>
+              <a:rPr lang="zh-CN" altLang="en-US" dirty="0"/>
+              <a:t>配置中心</a:t>
+            </a:r>
+            <a:endParaRPr lang="zh-CN" altLang="en-US" dirty="0"/>
+          </a:p>
+        </p:txBody>
+      </p:sp>
+      <p:sp>
+        <p:nvSpPr>
+          <p:cNvPr id="3" name="内容占位符 2"/>
+          <p:cNvSpPr>
+            <a:spLocks noGrp="1"/>
+          </p:cNvSpPr>
+          <p:nvPr>
+            <p:ph idx="1"/>
+          </p:nvPr>
+        </p:nvSpPr>
+        <p:spPr>
+          <a:xfrm>
+            <a:off x="457200" y="1600200"/>
+            <a:ext cx="8229600" cy="4853136"/>
+          </a:xfrm>
+        </p:spPr>
+        <p:txBody>
+          <a:bodyPr/>
+          <a:lstStyle/>
+          <a:p>
+            <a:r>
+              <a:rPr lang="zh-CN" altLang="en-US" dirty="0"/>
+              <a:t>安装</a:t>
+            </a:r>
+            <a:r>
+              <a:rPr lang="en-US" altLang="zh-CN" dirty="0" smtClean="0"/>
+              <a:t>WinService</a:t>
+            </a:r>
+          </a:p>
+          <a:p>
+            <a:pPr marL="0" indent="0">
+              <a:buNone/>
+            </a:pPr>
+            <a:r>
+              <a:rPr lang="en-US" altLang="zh-CN" dirty="0" smtClean="0"/>
+              <a:t> </a:t>
+            </a:r>
+            <a:r>
+              <a:rPr lang="en-US" altLang="zh-CN" sz="2000" dirty="0" smtClean="0"/>
+              <a:t>Disconf</a:t>
+            </a:r>
+            <a:r>
+              <a:rPr lang="zh-CN" altLang="en-US" sz="2000" dirty="0" smtClean="0"/>
+              <a:t>配置</a:t>
+            </a:r>
+            <a:endParaRPr lang="en-US" altLang="zh-CN" sz="2000" i="1" dirty="0" smtClean="0"/>
+          </a:p>
+          <a:p>
+            <a:pPr marL="0" indent="0">
+              <a:buNone/>
+            </a:pPr>
+            <a:r>
+              <a:rPr lang="en-US" altLang="zh-CN" dirty="0"/>
+              <a:t> </a:t>
+            </a:r>
+            <a:r>
+              <a:rPr lang="en-US" altLang="zh-CN" dirty="0" smtClean="0"/>
+              <a:t>   </a:t>
+            </a:r>
+          </a:p>
+          <a:p>
+            <a:pPr marL="0" indent="0">
+              <a:buNone/>
+            </a:pPr>
+            <a:r>
+              <a:rPr lang="en-US" altLang="zh-CN" sz="2400" dirty="0"/>
+              <a:t> </a:t>
+            </a:r>
+            <a:r>
+              <a:rPr lang="en-US" altLang="zh-CN" sz="2400" dirty="0" smtClean="0"/>
+              <a:t>   </a:t>
+            </a:r>
+          </a:p>
+          <a:p>
+            <a:pPr marL="0" indent="0">
+              <a:buNone/>
+            </a:pPr>
+            <a:r>
+              <a:rPr lang="en-US" altLang="zh-CN" sz="2400" dirty="0"/>
+              <a:t> </a:t>
+            </a:r>
+            <a:r>
+              <a:rPr lang="en-US" altLang="zh-CN" sz="2400" dirty="0" smtClean="0"/>
+              <a:t> </a:t>
+            </a:r>
+            <a:r>
+              <a:rPr lang="zh-CN" altLang="en-US" sz="2400" dirty="0" smtClean="0"/>
+              <a:t>客户端注册</a:t>
+            </a:r>
+            <a:endParaRPr lang="en-US" altLang="zh-CN" sz="2400" dirty="0" smtClean="0"/>
+          </a:p>
+          <a:p>
+            <a:pPr marL="0" indent="0">
+              <a:buNone/>
+            </a:pPr>
+            <a:endParaRPr lang="en-US" altLang="zh-CN" sz="2400" dirty="0" smtClean="0"/>
+          </a:p>
+          <a:p>
+            <a:pPr marL="0" indent="0">
+              <a:buNone/>
+            </a:pPr>
+            <a:endParaRPr lang="en-US" altLang="zh-CN" dirty="0"/>
+          </a:p>
+          <a:p>
+            <a:pPr marL="0" indent="0">
+              <a:buNone/>
+            </a:pPr>
+            <a:endParaRPr lang="zh-CN" altLang="en-US" dirty="0"/>
+          </a:p>
+        </p:txBody>
+      </p:sp>
+      <p:pic>
+        <p:nvPicPr>
+          <p:cNvPr id="2050" name="Picture 2"/>
+          <p:cNvPicPr>
+            <a:picLocks noChangeAspect="1" noChangeArrowheads="1"/>
+          </p:cNvPicPr>
+          <p:nvPr/>
+        </p:nvPicPr>
+        <p:blipFill>
+          <a:blip r:embed="rId2">
+            <a:extLst>
+              <a:ext uri="{28A0092B-C50C-407E-A947-70E740481C1C}">
+                <a14:useLocalDpi xmlns:a14="http://schemas.microsoft.com/office/drawing/2010/main" val="0"/>
+              </a:ext>
+            </a:extLst>
+          </a:blip>
+          <a:srcRect/>
+          <a:stretch>
+            <a:fillRect/>
+          </a:stretch>
+        </p:blipFill>
+        <p:spPr bwMode="auto">
+          <a:xfrm>
+            <a:off x="652636" y="2492896"/>
+            <a:ext cx="5143500" cy="771525"/>
+          </a:xfrm>
+          <a:prstGeom prst="rect">
+            <a:avLst/>
+          </a:prstGeom>
+          <a:noFill/>
+          <a:ln>
+            <a:noFill/>
+          </a:ln>
+          <a:extLst>
+            <a:ext uri="{909E8E84-426E-40DD-AFC4-6F175D3DCCD1}">
+              <a14:hiddenFill xmlns:a14="http://schemas.microsoft.com/office/drawing/2010/main">
+                <a:solidFill>
+                  <a:schemeClr val="accent1"/>
+                </a:solidFill>
+              </a14:hiddenFill>
+            </a:ext>
+            <a:ext uri="{91240B29-F687-4F45-9708-019B960494DF}">
+              <a14:hiddenLine xmlns:a14="http://schemas.microsoft.com/office/drawing/2010/main" w="9525">
+                <a:solidFill>
+                  <a:schemeClr val="tx1"/>
+                </a:solidFill>
+                <a:miter lim="800000"/>
+                <a:headEnd/>
+                <a:tailEnd/>
+              </a14:hiddenLine>
+            </a:ext>
+          </a:extLst>
+        </p:spPr>
+      </p:pic>
       <p:sp>
         <p:nvSpPr>
           <p:cNvPr id="4" name="矩形 3"/>
@@ -5663,7 +5982,7 @@
               <a:t>告诉</a:t>
             </a:r>
             <a:r>
-              <a:rPr lang="en-US" altLang="zh-CN" dirty="0" smtClean="0"/>
+              <a:rPr lang="en-US" altLang="zh-CN" dirty="0" err="1" smtClean="0"/>
               <a:t>Disconf.Net.WinServices</a:t>
             </a:r>
             <a:r>
@@ -5674,7 +5993,6 @@
               <a:rPr lang="zh-CN" altLang="en-US" dirty="0"/>
               <a:t>让其帮忙管理这些配置</a:t>
             </a:r>
-            <a:endParaRPr lang="zh-CN" altLang="en-US" dirty="0"/>
           </a:p>
         </p:txBody>
       </p:sp>

--- a/Document/Disconf.Net.pptx
+++ b/Document/Disconf.Net.pptx
@@ -9,10 +9,10 @@
     <p:sldId id="259" r:id="rId3"/>
     <p:sldId id="263" r:id="rId4"/>
     <p:sldId id="268" r:id="rId5"/>
-    <p:sldId id="267" r:id="rId6"/>
-    <p:sldId id="264" r:id="rId7"/>
-    <p:sldId id="266" r:id="rId8"/>
-    <p:sldId id="265" r:id="rId9"/>
+    <p:sldId id="265" r:id="rId6"/>
+    <p:sldId id="267" r:id="rId7"/>
+    <p:sldId id="264" r:id="rId8"/>
+    <p:sldId id="266" r:id="rId9"/>
     <p:sldId id="262" r:id="rId10"/>
   </p:sldIdLst>
   <p:sldSz cx="9144000" cy="6858000" type="screen4x3"/>
@@ -4593,11 +4593,7 @@
             </a:r>
             <a:r>
               <a:rPr lang="zh-CN" altLang="en-US" dirty="0" smtClean="0"/>
-              <a:t>，</a:t>
-            </a:r>
-            <a:r>
-              <a:rPr lang="zh-CN" altLang="en-US" dirty="0" smtClean="0"/>
-              <a:t>剥离</a:t>
+              <a:t>，剥离</a:t>
             </a:r>
             <a:r>
               <a:rPr lang="en-US" altLang="zh-CN" dirty="0" smtClean="0"/>
@@ -4796,11 +4792,7 @@
             </a:r>
             <a:r>
               <a:rPr lang="zh-CN" altLang="en-US" dirty="0" smtClean="0"/>
-              <a:t>项目</a:t>
-            </a:r>
-            <a:r>
-              <a:rPr lang="zh-CN" altLang="en-US" dirty="0" smtClean="0"/>
-              <a:t>统一、集中管理各种配置</a:t>
+              <a:t>项目统一、集中管理各种配置</a:t>
             </a:r>
             <a:endParaRPr lang="en-US" altLang="zh-CN" dirty="0" smtClean="0"/>
           </a:p>
@@ -4871,7 +4863,7 @@
           <a:p>
             <a:r>
               <a:rPr lang="zh-CN" altLang="en-US" dirty="0" smtClean="0"/>
-              <a:t>组件示例</a:t>
+              <a:t>组件配置</a:t>
             </a:r>
             <a:endParaRPr lang="zh-CN" altLang="en-US" dirty="0"/>
           </a:p>
@@ -4887,112 +4879,79 @@
             <p:ph idx="1"/>
           </p:nvPr>
         </p:nvSpPr>
-        <p:spPr/>
+        <p:spPr>
+          <a:xfrm>
+            <a:off x="457200" y="1600200"/>
+            <a:ext cx="8229600" cy="4853136"/>
+          </a:xfrm>
+        </p:spPr>
         <p:txBody>
           <a:bodyPr>
             <a:normAutofit/>
           </a:bodyPr>
           <a:lstStyle/>
           <a:p>
+            <a:r>
+              <a:rPr lang="zh-CN" altLang="en-US" dirty="0" smtClean="0"/>
+              <a:t>客户端配置</a:t>
+            </a:r>
+            <a:r>
+              <a:rPr lang="en-US" altLang="zh-CN" dirty="0" smtClean="0"/>
+              <a:t> </a:t>
+            </a:r>
+            <a:r>
+              <a:rPr lang="en-US" altLang="zh-CN" i="1" dirty="0" smtClean="0"/>
+              <a:t>---</a:t>
+            </a:r>
+            <a:r>
+              <a:rPr lang="zh-CN" altLang="en-US" sz="2000" i="1" dirty="0" smtClean="0"/>
+              <a:t>增加自定义</a:t>
+            </a:r>
+            <a:r>
+              <a:rPr lang="en-US" altLang="zh-CN" sz="2000" i="1" dirty="0" smtClean="0"/>
+              <a:t>section</a:t>
+            </a:r>
+            <a:r>
+              <a:rPr lang="en-US" altLang="zh-CN" dirty="0" smtClean="0"/>
+              <a:t>    </a:t>
+            </a:r>
+          </a:p>
+          <a:p>
+            <a:endParaRPr lang="en-US" altLang="zh-CN" dirty="0"/>
+          </a:p>
+          <a:p>
+            <a:endParaRPr lang="en-US" altLang="zh-CN" dirty="0" smtClean="0"/>
+          </a:p>
+          <a:p>
+            <a:endParaRPr lang="en-US" altLang="zh-CN" dirty="0"/>
+          </a:p>
+          <a:p>
+            <a:endParaRPr lang="en-US" altLang="zh-CN" dirty="0" smtClean="0"/>
+          </a:p>
+          <a:p>
+            <a:endParaRPr lang="en-US" altLang="zh-CN" dirty="0"/>
+          </a:p>
+          <a:p>
+            <a:endParaRPr lang="en-US" altLang="zh-CN" dirty="0" smtClean="0"/>
+          </a:p>
+          <a:p>
+            <a:endParaRPr lang="en-US" altLang="zh-CN" dirty="0"/>
+          </a:p>
+          <a:p>
             <a:pPr marL="0" indent="0">
               <a:buNone/>
             </a:pPr>
             <a:r>
-              <a:rPr lang="zh-CN" altLang="en-US" dirty="0" smtClean="0"/>
-              <a:t>引用</a:t>
-            </a:r>
-            <a:endParaRPr lang="en-US" altLang="zh-CN" dirty="0" smtClean="0"/>
-          </a:p>
-          <a:p>
-            <a:pPr marL="0" indent="0">
-              <a:buNone/>
-            </a:pPr>
-            <a:r>
-              <a:rPr lang="en-US" altLang="zh-CN" sz="2400" dirty="0" smtClean="0"/>
-              <a:t>using </a:t>
-            </a:r>
-            <a:r>
-              <a:rPr lang="en-US" altLang="zh-CN" sz="2400" dirty="0" err="1" smtClean="0"/>
-              <a:t>Appsettings</a:t>
-            </a:r>
-            <a:r>
-              <a:rPr lang="en-US" altLang="zh-CN" sz="2400" dirty="0" smtClean="0"/>
-              <a:t>;</a:t>
-            </a:r>
-          </a:p>
-          <a:p>
-            <a:pPr marL="0" indent="0">
-              <a:buNone/>
-            </a:pPr>
-            <a:endParaRPr lang="en-US" altLang="zh-CN" dirty="0" smtClean="0"/>
-          </a:p>
-          <a:p>
-            <a:pPr marL="0" indent="0">
-              <a:buNone/>
-            </a:pPr>
-            <a:r>
-              <a:rPr lang="en-US" altLang="zh-CN" dirty="0" smtClean="0"/>
-              <a:t>Key-Value</a:t>
-            </a:r>
-            <a:r>
-              <a:rPr lang="zh-CN" altLang="en-US" dirty="0" smtClean="0"/>
-              <a:t>形式</a:t>
-            </a:r>
-            <a:endParaRPr lang="en-US" altLang="zh-CN" dirty="0" smtClean="0"/>
-          </a:p>
-          <a:p>
-            <a:pPr marL="0" indent="0">
-              <a:buNone/>
-            </a:pPr>
-            <a:endParaRPr lang="en-US" altLang="zh-CN" dirty="0"/>
-          </a:p>
-          <a:p>
-            <a:pPr marL="0" indent="0">
-              <a:buNone/>
-            </a:pPr>
-            <a:endParaRPr lang="en-US" altLang="zh-CN" dirty="0" smtClean="0"/>
-          </a:p>
-          <a:p>
-            <a:pPr marL="0" indent="0">
-              <a:buNone/>
-            </a:pPr>
-            <a:endParaRPr lang="en-US" altLang="zh-CN" dirty="0" smtClean="0"/>
-          </a:p>
-          <a:p>
-            <a:pPr marL="0" indent="0">
-              <a:buNone/>
-            </a:pPr>
-            <a:endParaRPr lang="en-US" altLang="zh-CN" dirty="0"/>
-          </a:p>
-          <a:p>
-            <a:pPr marL="0" indent="0">
-              <a:buNone/>
-            </a:pPr>
-            <a:r>
-              <a:rPr lang="en-US" altLang="zh-CN" sz="1600" dirty="0" smtClean="0"/>
-              <a:t>var postUrl = </a:t>
-            </a:r>
-            <a:r>
-              <a:rPr lang="en-US" altLang="zh-CN" sz="1600" dirty="0" err="1" smtClean="0"/>
-              <a:t>AppSettingsManager.AppSettings</a:t>
-            </a:r>
-            <a:r>
-              <a:rPr lang="en-US" altLang="zh-CN" sz="1600" dirty="0"/>
-              <a:t>["PostUrl"];</a:t>
-            </a:r>
-            <a:endParaRPr lang="en-US" altLang="zh-CN" sz="1600" dirty="0" smtClean="0"/>
-          </a:p>
-          <a:p>
-            <a:pPr marL="0" indent="0">
-              <a:buNone/>
-            </a:pPr>
-            <a:endParaRPr lang="zh-CN" altLang="en-US" dirty="0"/>
+              <a:rPr lang="zh-CN" altLang="en-US" sz="2400" dirty="0" smtClean="0"/>
+              <a:t>告诉组件该应用加载哪些配置文件</a:t>
+            </a:r>
+            <a:endParaRPr lang="zh-CN" altLang="en-US" sz="2400" dirty="0"/>
           </a:p>
         </p:txBody>
       </p:sp>
       <p:pic>
         <p:nvPicPr>
-          <p:cNvPr id="1026" name="Picture 2"/>
+          <p:cNvPr id="5" name="Picture 4"/>
           <p:cNvPicPr>
             <a:picLocks noChangeAspect="1" noChangeArrowheads="1"/>
           </p:cNvPicPr>
@@ -5006,14 +4965,15 @@
               </a:ext>
             </a:extLst>
           </a:blip>
+          <a:srcRect/>
           <a:stretch>
             <a:fillRect/>
           </a:stretch>
         </p:blipFill>
         <p:spPr bwMode="auto">
           <a:xfrm>
-            <a:off x="480580" y="3429000"/>
-            <a:ext cx="5514286" cy="1352381"/>
+            <a:off x="899592" y="2204864"/>
+            <a:ext cx="5876925" cy="1762125"/>
           </a:xfrm>
           <a:prstGeom prst="rect">
             <a:avLst/>
@@ -5046,7 +5006,7 @@
     </p:spTree>
     <p:extLst>
       <p:ext uri="{BB962C8B-B14F-4D97-AF65-F5344CB8AC3E}">
-        <p14:creationId xmlns:p14="http://schemas.microsoft.com/office/powerpoint/2010/main" val="1360906043"/>
+        <p14:creationId xmlns:p14="http://schemas.microsoft.com/office/powerpoint/2010/main" val="3257307656"/>
       </p:ext>
     </p:extLst>
   </p:cSld>
@@ -5096,9 +5056,10 @@
           <a:lstStyle/>
           <a:p>
             <a:r>
-              <a:rPr lang="zh-CN" altLang="en-US" dirty="0"/>
+              <a:rPr lang="zh-CN" altLang="en-US" dirty="0" smtClean="0"/>
               <a:t>组件示例</a:t>
             </a:r>
+            <a:endParaRPr lang="zh-CN" altLang="en-US" dirty="0"/>
           </a:p>
         </p:txBody>
       </p:sp>
@@ -5112,12 +5073,7 @@
             <p:ph idx="1"/>
           </p:nvPr>
         </p:nvSpPr>
-        <p:spPr>
-          <a:xfrm>
-            <a:off x="179512" y="1600200"/>
-            <a:ext cx="8856984" cy="4525963"/>
-          </a:xfrm>
-        </p:spPr>
+        <p:spPr/>
         <p:txBody>
           <a:bodyPr>
             <a:normAutofit/>
@@ -5129,15 +5085,44 @@
             </a:pPr>
             <a:r>
               <a:rPr lang="zh-CN" altLang="en-US" dirty="0" smtClean="0"/>
-              <a:t>直接映射</a:t>
-            </a:r>
-            <a:r>
-              <a:rPr lang="zh-CN" altLang="en-US" dirty="0"/>
-              <a:t>成对象或对象</a:t>
+              <a:t>引用</a:t>
+            </a:r>
+            <a:endParaRPr lang="en-US" altLang="zh-CN" dirty="0" smtClean="0"/>
+          </a:p>
+          <a:p>
+            <a:pPr marL="0" indent="0">
+              <a:buNone/>
+            </a:pPr>
+            <a:r>
+              <a:rPr lang="en-US" altLang="zh-CN" sz="2400" dirty="0" smtClean="0"/>
+              <a:t>using </a:t>
+            </a:r>
+            <a:r>
+              <a:rPr lang="en-US" altLang="zh-CN" sz="2400" dirty="0" err="1" smtClean="0"/>
+              <a:t>Appsettings</a:t>
+            </a:r>
+            <a:r>
+              <a:rPr lang="en-US" altLang="zh-CN" sz="2400" dirty="0" smtClean="0"/>
+              <a:t>;</a:t>
+            </a:r>
+          </a:p>
+          <a:p>
+            <a:pPr marL="0" indent="0">
+              <a:buNone/>
+            </a:pPr>
+            <a:endParaRPr lang="en-US" altLang="zh-CN" dirty="0" smtClean="0"/>
+          </a:p>
+          <a:p>
+            <a:pPr marL="0" indent="0">
+              <a:buNone/>
+            </a:pPr>
+            <a:r>
+              <a:rPr lang="en-US" altLang="zh-CN" dirty="0" smtClean="0"/>
+              <a:t>Key-Value</a:t>
             </a:r>
             <a:r>
               <a:rPr lang="zh-CN" altLang="en-US" dirty="0" smtClean="0"/>
-              <a:t>集合</a:t>
+              <a:t>形式</a:t>
             </a:r>
             <a:endParaRPr lang="en-US" altLang="zh-CN" dirty="0" smtClean="0"/>
           </a:p>
@@ -5169,60 +5154,31 @@
             <a:pPr marL="0" indent="0">
               <a:buNone/>
             </a:pPr>
-            <a:endParaRPr lang="en-US" altLang="zh-CN" dirty="0" smtClean="0"/>
+            <a:r>
+              <a:rPr lang="en-US" altLang="zh-CN" sz="1600" dirty="0" smtClean="0"/>
+              <a:t>var postUrl = </a:t>
+            </a:r>
+            <a:r>
+              <a:rPr lang="en-US" altLang="zh-CN" sz="1600" dirty="0" err="1" smtClean="0"/>
+              <a:t>AppSettingsManager.AppSettings</a:t>
+            </a:r>
+            <a:r>
+              <a:rPr lang="en-US" altLang="zh-CN" sz="1600" dirty="0"/>
+              <a:t>["PostUrl"];</a:t>
+            </a:r>
+            <a:endParaRPr lang="en-US" altLang="zh-CN" sz="1600" dirty="0" smtClean="0"/>
           </a:p>
           <a:p>
             <a:pPr marL="0" indent="0">
               <a:buNone/>
             </a:pPr>
-            <a:endParaRPr lang="en-US" altLang="zh-CN" dirty="0"/>
-          </a:p>
-          <a:p>
-            <a:pPr marL="0" indent="0">
-              <a:buNone/>
-            </a:pPr>
-            <a:endParaRPr lang="en-US" altLang="zh-CN" dirty="0"/>
-          </a:p>
-          <a:p>
-            <a:pPr marL="0" indent="0">
-              <a:buNone/>
-            </a:pPr>
-            <a:endParaRPr lang="en-US" altLang="zh-CN" sz="1600" dirty="0" smtClean="0"/>
-          </a:p>
-          <a:p>
-            <a:pPr marL="0" indent="0">
-              <a:buNone/>
-            </a:pPr>
-            <a:r>
-              <a:rPr lang="en-US" altLang="zh-CN" sz="1600" dirty="0"/>
-              <a:t>var person = AppSettingsManager.GetEntity&lt;Person&gt;();</a:t>
-            </a:r>
-            <a:endParaRPr lang="en-US" altLang="zh-CN" sz="1600" dirty="0" smtClean="0"/>
-          </a:p>
-          <a:p>
-            <a:pPr marL="0" indent="0">
-              <a:buNone/>
-            </a:pPr>
-            <a:r>
-              <a:rPr lang="en-US" altLang="zh-CN" sz="1600" dirty="0"/>
-              <a:t>var list = AppSettingsManager.GetEntityList&lt;FaceMsg&gt;("AppSettings.FaceMsgList2</a:t>
-            </a:r>
-            <a:r>
-              <a:rPr lang="en-US" altLang="zh-CN" sz="1600" dirty="0" smtClean="0"/>
-              <a:t>");</a:t>
-            </a:r>
-          </a:p>
-          <a:p>
-            <a:pPr marL="0" indent="0">
-              <a:buNone/>
-            </a:pPr>
-            <a:endParaRPr lang="en-US" altLang="zh-CN" dirty="0"/>
+            <a:endParaRPr lang="zh-CN" altLang="en-US" dirty="0"/>
           </a:p>
         </p:txBody>
       </p:sp>
       <p:pic>
         <p:nvPicPr>
-          <p:cNvPr id="3076" name="Picture 4"/>
+          <p:cNvPr id="1026" name="Picture 2"/>
           <p:cNvPicPr>
             <a:picLocks noChangeAspect="1" noChangeArrowheads="1"/>
           </p:cNvPicPr>
@@ -5236,15 +5192,14 @@
               </a:ext>
             </a:extLst>
           </a:blip>
-          <a:srcRect/>
           <a:stretch>
             <a:fillRect/>
           </a:stretch>
         </p:blipFill>
         <p:spPr bwMode="auto">
           <a:xfrm>
-            <a:off x="323528" y="2226543"/>
-            <a:ext cx="7361237" cy="2714625"/>
+            <a:off x="480580" y="3429000"/>
+            <a:ext cx="5514286" cy="1352381"/>
           </a:xfrm>
           <a:prstGeom prst="rect">
             <a:avLst/>
@@ -5277,7 +5232,7 @@
     </p:spTree>
     <p:extLst>
       <p:ext uri="{BB962C8B-B14F-4D97-AF65-F5344CB8AC3E}">
-        <p14:creationId xmlns:p14="http://schemas.microsoft.com/office/powerpoint/2010/main" val="4216234147"/>
+        <p14:creationId xmlns:p14="http://schemas.microsoft.com/office/powerpoint/2010/main" val="1360906043"/>
       </p:ext>
     </p:extLst>
   </p:cSld>
@@ -5343,10 +5298,15 @@
             <p:ph idx="1"/>
           </p:nvPr>
         </p:nvSpPr>
-        <p:spPr/>
+        <p:spPr>
+          <a:xfrm>
+            <a:off x="179512" y="1600200"/>
+            <a:ext cx="8856984" cy="4525963"/>
+          </a:xfrm>
+        </p:spPr>
         <p:txBody>
           <a:bodyPr>
-            <a:normAutofit lnSpcReduction="10000"/>
+            <a:normAutofit/>
           </a:bodyPr>
           <a:lstStyle/>
           <a:p>
@@ -5355,13 +5315,17 @@
             </a:pPr>
             <a:r>
               <a:rPr lang="zh-CN" altLang="en-US" dirty="0" smtClean="0"/>
-              <a:t>读取</a:t>
+              <a:t>直接映射</a:t>
             </a:r>
             <a:r>
               <a:rPr lang="zh-CN" altLang="en-US" dirty="0"/>
-              <a:t>属性值</a:t>
-            </a:r>
-            <a:endParaRPr lang="en-US" altLang="zh-CN" dirty="0"/>
+              <a:t>成对象或对象</a:t>
+            </a:r>
+            <a:r>
+              <a:rPr lang="zh-CN" altLang="en-US" dirty="0" smtClean="0"/>
+              <a:t>集合</a:t>
+            </a:r>
+            <a:endParaRPr lang="en-US" altLang="zh-CN" dirty="0" smtClean="0"/>
           </a:p>
           <a:p>
             <a:pPr marL="0" indent="0">
@@ -5373,7 +5337,7 @@
             <a:pPr marL="0" indent="0">
               <a:buNone/>
             </a:pPr>
-            <a:endParaRPr lang="en-US" altLang="zh-CN" dirty="0"/>
+            <a:endParaRPr lang="en-US" altLang="zh-CN" dirty="0" smtClean="0"/>
           </a:p>
           <a:p>
             <a:pPr marL="0" indent="0">
@@ -5385,7 +5349,7 @@
             <a:pPr marL="0" indent="0">
               <a:buNone/>
             </a:pPr>
-            <a:endParaRPr lang="en-US" altLang="zh-CN" dirty="0" smtClean="0"/>
+            <a:endParaRPr lang="en-US" altLang="zh-CN" dirty="0"/>
           </a:p>
           <a:p>
             <a:pPr marL="0" indent="0">
@@ -5397,13 +5361,37 @@
             <a:pPr marL="0" indent="0">
               <a:buNone/>
             </a:pPr>
-            <a:r>
-              <a:rPr lang="en-US" altLang="zh-CN" sz="1600" dirty="0" smtClean="0"/>
-              <a:t>var </a:t>
-            </a:r>
+            <a:endParaRPr lang="en-US" altLang="zh-CN" dirty="0"/>
+          </a:p>
+          <a:p>
+            <a:pPr marL="0" indent="0">
+              <a:buNone/>
+            </a:pPr>
+            <a:endParaRPr lang="en-US" altLang="zh-CN" dirty="0"/>
+          </a:p>
+          <a:p>
+            <a:pPr marL="0" indent="0">
+              <a:buNone/>
+            </a:pPr>
+            <a:endParaRPr lang="en-US" altLang="zh-CN" sz="1600" dirty="0" smtClean="0"/>
+          </a:p>
+          <a:p>
+            <a:pPr marL="0" indent="0">
+              <a:buNone/>
+            </a:pPr>
             <a:r>
               <a:rPr lang="en-US" altLang="zh-CN" sz="1600" dirty="0"/>
-              <a:t>name = AppSettingsManager.GetAttributesValue("Person", "Name</a:t>
+              <a:t>var person = AppSettingsManager.GetEntity&lt;Person&gt;();</a:t>
+            </a:r>
+            <a:endParaRPr lang="en-US" altLang="zh-CN" sz="1600" dirty="0" smtClean="0"/>
+          </a:p>
+          <a:p>
+            <a:pPr marL="0" indent="0">
+              <a:buNone/>
+            </a:pPr>
+            <a:r>
+              <a:rPr lang="en-US" altLang="zh-CN" sz="1600" dirty="0"/>
+              <a:t>var list = AppSettingsManager.GetEntityList&lt;FaceMsg&gt;("AppSettings.FaceMsgList2</a:t>
             </a:r>
             <a:r>
               <a:rPr lang="en-US" altLang="zh-CN" sz="1600" dirty="0" smtClean="0"/>
@@ -5414,63 +5402,13 @@
             <a:pPr marL="0" indent="0">
               <a:buNone/>
             </a:pPr>
-            <a:r>
-              <a:rPr lang="en-US" altLang="zh-CN" sz="1600" dirty="0" smtClean="0"/>
-              <a:t>var </a:t>
-            </a:r>
-            <a:r>
-              <a:rPr lang="en-US" altLang="zh-CN" sz="1600" dirty="0"/>
-              <a:t>age = AppSettingsManager.GetAttributesValue("Person", "Age");</a:t>
-            </a:r>
-          </a:p>
-          <a:p>
-            <a:pPr marL="0" indent="0">
-              <a:buNone/>
-            </a:pPr>
-            <a:r>
-              <a:rPr lang="en-US" altLang="zh-CN" sz="1600" dirty="0" smtClean="0"/>
-              <a:t>var </a:t>
-            </a:r>
-            <a:r>
-              <a:rPr lang="en-US" altLang="zh-CN" sz="1600" dirty="0"/>
-              <a:t>height = AppSettingsManager.GetAttributesValue("Person", "Height");</a:t>
-            </a:r>
-          </a:p>
-          <a:p>
-            <a:pPr marL="0" indent="0">
-              <a:buNone/>
-            </a:pPr>
-            <a:endParaRPr lang="en-US" altLang="zh-CN" dirty="0" smtClean="0"/>
-          </a:p>
-          <a:p>
-            <a:pPr marL="0" indent="0">
-              <a:buNone/>
-            </a:pPr>
-            <a:endParaRPr lang="en-US" altLang="zh-CN" dirty="0" smtClean="0"/>
-          </a:p>
-          <a:p>
-            <a:pPr marL="0" indent="0">
-              <a:buNone/>
-            </a:pPr>
-            <a:r>
-              <a:rPr lang="zh-CN" altLang="en-US" dirty="0" smtClean="0"/>
-              <a:t>更多，请参考</a:t>
-            </a:r>
-            <a:r>
-              <a:rPr lang="en-US" altLang="zh-CN" dirty="0" smtClean="0"/>
-              <a:t>Project </a:t>
-            </a:r>
-            <a:r>
-              <a:rPr lang="en-US" altLang="zh-CN" dirty="0" err="1" smtClean="0"/>
-              <a:t>Appsettings.Test</a:t>
-            </a:r>
             <a:endParaRPr lang="en-US" altLang="zh-CN" dirty="0"/>
           </a:p>
         </p:txBody>
       </p:sp>
       <p:pic>
         <p:nvPicPr>
-          <p:cNvPr id="4099" name="Picture 3"/>
+          <p:cNvPr id="3076" name="Picture 4"/>
           <p:cNvPicPr>
             <a:picLocks noChangeAspect="1" noChangeArrowheads="1"/>
           </p:cNvPicPr>
@@ -5484,14 +5422,15 @@
               </a:ext>
             </a:extLst>
           </a:blip>
+          <a:srcRect/>
           <a:stretch>
             <a:fillRect/>
           </a:stretch>
         </p:blipFill>
         <p:spPr bwMode="auto">
           <a:xfrm>
-            <a:off x="539552" y="2348880"/>
-            <a:ext cx="6847619" cy="1219048"/>
+            <a:off x="323528" y="2226543"/>
+            <a:ext cx="7361237" cy="2714625"/>
           </a:xfrm>
           <a:prstGeom prst="rect">
             <a:avLst/>
@@ -5524,7 +5463,7 @@
     </p:spTree>
     <p:extLst>
       <p:ext uri="{BB962C8B-B14F-4D97-AF65-F5344CB8AC3E}">
-        <p14:creationId xmlns:p14="http://schemas.microsoft.com/office/powerpoint/2010/main" val="1836986474"/>
+        <p14:creationId xmlns:p14="http://schemas.microsoft.com/office/powerpoint/2010/main" val="4216234147"/>
       </p:ext>
     </p:extLst>
   </p:cSld>
@@ -5574,104 +5513,150 @@
           <a:lstStyle/>
           <a:p>
             <a:r>
+              <a:rPr lang="zh-CN" altLang="en-US" dirty="0"/>
+              <a:t>组件示例</a:t>
+            </a:r>
+          </a:p>
+        </p:txBody>
+      </p:sp>
+      <p:sp>
+        <p:nvSpPr>
+          <p:cNvPr id="3" name="内容占位符 2"/>
+          <p:cNvSpPr>
+            <a:spLocks noGrp="1"/>
+          </p:cNvSpPr>
+          <p:nvPr>
+            <p:ph idx="1"/>
+          </p:nvPr>
+        </p:nvSpPr>
+        <p:spPr/>
+        <p:txBody>
+          <a:bodyPr>
+            <a:normAutofit lnSpcReduction="10000"/>
+          </a:bodyPr>
+          <a:lstStyle/>
+          <a:p>
+            <a:pPr marL="0" indent="0">
+              <a:buNone/>
+            </a:pPr>
+            <a:r>
               <a:rPr lang="zh-CN" altLang="en-US" dirty="0" smtClean="0"/>
-              <a:t>接入</a:t>
+              <a:t>读取</a:t>
+            </a:r>
+            <a:r>
+              <a:rPr lang="zh-CN" altLang="en-US" dirty="0"/>
+              <a:t>属性值</a:t>
+            </a:r>
+            <a:endParaRPr lang="en-US" altLang="zh-CN" dirty="0"/>
+          </a:p>
+          <a:p>
+            <a:pPr marL="0" indent="0">
+              <a:buNone/>
+            </a:pPr>
+            <a:endParaRPr lang="en-US" altLang="zh-CN" dirty="0"/>
+          </a:p>
+          <a:p>
+            <a:pPr marL="0" indent="0">
+              <a:buNone/>
+            </a:pPr>
+            <a:endParaRPr lang="en-US" altLang="zh-CN" dirty="0"/>
+          </a:p>
+          <a:p>
+            <a:pPr marL="0" indent="0">
+              <a:buNone/>
+            </a:pPr>
+            <a:endParaRPr lang="en-US" altLang="zh-CN" dirty="0" smtClean="0"/>
+          </a:p>
+          <a:p>
+            <a:pPr marL="0" indent="0">
+              <a:buNone/>
+            </a:pPr>
+            <a:endParaRPr lang="en-US" altLang="zh-CN" dirty="0" smtClean="0"/>
+          </a:p>
+          <a:p>
+            <a:pPr marL="0" indent="0">
+              <a:buNone/>
+            </a:pPr>
+            <a:endParaRPr lang="en-US" altLang="zh-CN" dirty="0" smtClean="0"/>
+          </a:p>
+          <a:p>
+            <a:pPr marL="0" indent="0">
+              <a:buNone/>
+            </a:pPr>
+            <a:r>
+              <a:rPr lang="en-US" altLang="zh-CN" sz="1600" dirty="0" smtClean="0"/>
+              <a:t>var </a:t>
+            </a:r>
+            <a:r>
+              <a:rPr lang="en-US" altLang="zh-CN" sz="1600" dirty="0"/>
+              <a:t>name = AppSettingsManager.GetAttributesValue("Person", "Name</a:t>
+            </a:r>
+            <a:r>
+              <a:rPr lang="en-US" altLang="zh-CN" sz="1600" dirty="0" smtClean="0"/>
+              <a:t>");</a:t>
+            </a:r>
+          </a:p>
+          <a:p>
+            <a:pPr marL="0" indent="0">
+              <a:buNone/>
+            </a:pPr>
+            <a:r>
+              <a:rPr lang="en-US" altLang="zh-CN" sz="1600" dirty="0" smtClean="0"/>
+              <a:t>var </a:t>
+            </a:r>
+            <a:r>
+              <a:rPr lang="en-US" altLang="zh-CN" sz="1600" dirty="0"/>
+              <a:t>age = AppSettingsManager.GetAttributesValue("Person", "Age");</a:t>
+            </a:r>
+          </a:p>
+          <a:p>
+            <a:pPr marL="0" indent="0">
+              <a:buNone/>
+            </a:pPr>
+            <a:r>
+              <a:rPr lang="en-US" altLang="zh-CN" sz="1600" dirty="0" smtClean="0"/>
+              <a:t>var </a:t>
+            </a:r>
+            <a:r>
+              <a:rPr lang="en-US" altLang="zh-CN" sz="1600" dirty="0"/>
+              <a:t>height = AppSettingsManager.GetAttributesValue("Person", "Height");</a:t>
+            </a:r>
+          </a:p>
+          <a:p>
+            <a:pPr marL="0" indent="0">
+              <a:buNone/>
+            </a:pPr>
+            <a:endParaRPr lang="en-US" altLang="zh-CN" dirty="0" smtClean="0"/>
+          </a:p>
+          <a:p>
+            <a:pPr marL="0" indent="0">
+              <a:buNone/>
+            </a:pPr>
+            <a:endParaRPr lang="en-US" altLang="zh-CN" dirty="0" smtClean="0"/>
+          </a:p>
+          <a:p>
+            <a:pPr marL="0" indent="0">
+              <a:buNone/>
+            </a:pPr>
+            <a:r>
+              <a:rPr lang="zh-CN" altLang="en-US" dirty="0" smtClean="0"/>
+              <a:t>更多，请参考</a:t>
             </a:r>
             <a:r>
               <a:rPr lang="en-US" altLang="zh-CN" dirty="0" smtClean="0"/>
-              <a:t>disconf</a:t>
-            </a:r>
-            <a:r>
-              <a:rPr lang="zh-CN" altLang="en-US" dirty="0" smtClean="0"/>
-              <a:t>配置中心</a:t>
-            </a:r>
-            <a:endParaRPr lang="zh-CN" altLang="en-US" dirty="0"/>
-          </a:p>
-        </p:txBody>
-      </p:sp>
-      <p:sp>
-        <p:nvSpPr>
-          <p:cNvPr id="3" name="内容占位符 2"/>
-          <p:cNvSpPr>
-            <a:spLocks noGrp="1"/>
-          </p:cNvSpPr>
-          <p:nvPr>
-            <p:ph idx="1"/>
-          </p:nvPr>
-        </p:nvSpPr>
-        <p:spPr>
-          <a:xfrm>
-            <a:off x="457200" y="1600200"/>
-            <a:ext cx="8229600" cy="4853136"/>
-          </a:xfrm>
-        </p:spPr>
-        <p:txBody>
-          <a:bodyPr>
-            <a:normAutofit/>
-          </a:bodyPr>
-          <a:lstStyle/>
-          <a:p>
-            <a:r>
-              <a:rPr lang="zh-CN" altLang="en-US" dirty="0" smtClean="0"/>
-              <a:t>客户端配置</a:t>
-            </a:r>
-            <a:r>
-              <a:rPr lang="en-US" altLang="zh-CN" dirty="0" smtClean="0"/>
-              <a:t> </a:t>
-            </a:r>
-            <a:r>
-              <a:rPr lang="en-US" altLang="zh-CN" i="1" dirty="0" smtClean="0"/>
-              <a:t>---</a:t>
-            </a:r>
-            <a:r>
-              <a:rPr lang="zh-CN" altLang="en-US" sz="2000" i="1" dirty="0" smtClean="0"/>
-              <a:t>增加自定义</a:t>
-            </a:r>
-            <a:r>
-              <a:rPr lang="en-US" altLang="zh-CN" sz="2000" i="1" dirty="0" smtClean="0"/>
-              <a:t>section</a:t>
-            </a:r>
-            <a:r>
-              <a:rPr lang="en-US" altLang="zh-CN" dirty="0" smtClean="0"/>
-              <a:t>    </a:t>
-            </a:r>
-          </a:p>
-          <a:p>
+              <a:t>Project </a:t>
+            </a:r>
+            <a:r>
+              <a:rPr lang="en-US" altLang="zh-CN" dirty="0" err="1" smtClean="0"/>
+              <a:t>Appsettings.Test</a:t>
+            </a:r>
             <a:endParaRPr lang="en-US" altLang="zh-CN" dirty="0"/>
-          </a:p>
-          <a:p>
-            <a:endParaRPr lang="en-US" altLang="zh-CN" dirty="0" smtClean="0"/>
-          </a:p>
-          <a:p>
-            <a:endParaRPr lang="en-US" altLang="zh-CN" dirty="0"/>
-          </a:p>
-          <a:p>
-            <a:endParaRPr lang="en-US" altLang="zh-CN" dirty="0" smtClean="0"/>
-          </a:p>
-          <a:p>
-            <a:endParaRPr lang="en-US" altLang="zh-CN" dirty="0"/>
-          </a:p>
-          <a:p>
-            <a:endParaRPr lang="en-US" altLang="zh-CN" dirty="0" smtClean="0"/>
-          </a:p>
-          <a:p>
-            <a:endParaRPr lang="en-US" altLang="zh-CN" dirty="0"/>
-          </a:p>
-          <a:p>
-            <a:pPr marL="0" indent="0">
-              <a:buNone/>
-            </a:pPr>
-            <a:r>
-              <a:rPr lang="zh-CN" altLang="en-US" sz="2400" dirty="0" smtClean="0"/>
-              <a:t>告诉组件该应用加载哪些配置文件</a:t>
-            </a:r>
-            <a:endParaRPr lang="zh-CN" altLang="en-US" sz="2400" dirty="0"/>
           </a:p>
         </p:txBody>
       </p:sp>
       <p:pic>
         <p:nvPicPr>
-          <p:cNvPr id="5" name="Picture 4"/>
+          <p:cNvPr id="4099" name="Picture 3"/>
           <p:cNvPicPr>
             <a:picLocks noChangeAspect="1" noChangeArrowheads="1"/>
           </p:cNvPicPr>
@@ -5685,15 +5670,14 @@
               </a:ext>
             </a:extLst>
           </a:blip>
-          <a:srcRect/>
           <a:stretch>
             <a:fillRect/>
           </a:stretch>
         </p:blipFill>
         <p:spPr bwMode="auto">
           <a:xfrm>
-            <a:off x="899592" y="2204864"/>
-            <a:ext cx="5876925" cy="1762125"/>
+            <a:off x="539552" y="2348880"/>
+            <a:ext cx="6847619" cy="1219048"/>
           </a:xfrm>
           <a:prstGeom prst="rect">
             <a:avLst/>
@@ -5726,7 +5710,7 @@
     </p:spTree>
     <p:extLst>
       <p:ext uri="{BB962C8B-B14F-4D97-AF65-F5344CB8AC3E}">
-        <p14:creationId xmlns:p14="http://schemas.microsoft.com/office/powerpoint/2010/main" val="3257307656"/>
+        <p14:creationId xmlns:p14="http://schemas.microsoft.com/office/powerpoint/2010/main" val="1836986474"/>
       </p:ext>
     </p:extLst>
   </p:cSld>
@@ -5787,7 +5771,6 @@
               <a:rPr lang="zh-CN" altLang="en-US" dirty="0"/>
               <a:t>配置中心</a:t>
             </a:r>
-            <a:endParaRPr lang="zh-CN" altLang="en-US" dirty="0"/>
           </a:p>
         </p:txBody>
       </p:sp>

--- a/Document/Disconf.Net.pptx
+++ b/Document/Disconf.Net.pptx
@@ -3820,8 +3820,13 @@
             <a:pPr algn="ctr"/>
             <a:r>
               <a:rPr lang="en-US" altLang="zh-CN" dirty="0" smtClean="0"/>
-              <a:t>*. Properties</a:t>
-            </a:r>
+              <a:t>*. </a:t>
+            </a:r>
+            <a:r>
+              <a:rPr lang="en-US" altLang="zh-CN" dirty="0" smtClean="0"/>
+              <a:t>properties</a:t>
+            </a:r>
+            <a:endParaRPr lang="en-US" altLang="zh-CN" dirty="0" smtClean="0"/>
           </a:p>
           <a:p>
             <a:pPr algn="ctr"/>
